--- a/lectures/14.3/lecture.pptx
+++ b/lectures/14.3/lecture.pptx
@@ -5,30 +5,23 @@
     <p:sldMasterId id="2147483648" r:id="rId1"/>
   </p:sldMasterIdLst>
   <p:notesMasterIdLst>
-    <p:notesMasterId r:id="rId23"/>
+    <p:notesMasterId r:id="rId16"/>
   </p:notesMasterIdLst>
   <p:sldIdLst>
     <p:sldId id="256" r:id="rId2"/>
-    <p:sldId id="257" r:id="rId3"/>
-    <p:sldId id="268" r:id="rId4"/>
-    <p:sldId id="258" r:id="rId5"/>
-    <p:sldId id="259" r:id="rId6"/>
-    <p:sldId id="269" r:id="rId7"/>
-    <p:sldId id="260" r:id="rId8"/>
-    <p:sldId id="261" r:id="rId9"/>
-    <p:sldId id="270" r:id="rId10"/>
-    <p:sldId id="262" r:id="rId11"/>
-    <p:sldId id="263" r:id="rId12"/>
-    <p:sldId id="264" r:id="rId13"/>
-    <p:sldId id="265" r:id="rId14"/>
-    <p:sldId id="266" r:id="rId15"/>
-    <p:sldId id="267" r:id="rId16"/>
-    <p:sldId id="275" r:id="rId17"/>
-    <p:sldId id="271" r:id="rId18"/>
-    <p:sldId id="272" r:id="rId19"/>
-    <p:sldId id="273" r:id="rId20"/>
-    <p:sldId id="276" r:id="rId21"/>
-    <p:sldId id="274" r:id="rId22"/>
+    <p:sldId id="264" r:id="rId3"/>
+    <p:sldId id="265" r:id="rId4"/>
+    <p:sldId id="266" r:id="rId5"/>
+    <p:sldId id="267" r:id="rId6"/>
+    <p:sldId id="275" r:id="rId7"/>
+    <p:sldId id="271" r:id="rId8"/>
+    <p:sldId id="272" r:id="rId9"/>
+    <p:sldId id="273" r:id="rId10"/>
+    <p:sldId id="276" r:id="rId11"/>
+    <p:sldId id="274" r:id="rId12"/>
+    <p:sldId id="277" r:id="rId13"/>
+    <p:sldId id="279" r:id="rId14"/>
+    <p:sldId id="278" r:id="rId15"/>
   </p:sldIdLst>
   <p:sldSz cx="12192000" cy="6858000"/>
   <p:notesSz cx="6858000" cy="9144000"/>
@@ -217,7 +210,7 @@
           <a:p>
             <a:fld id="{248031C6-E4B0-0444-A4A8-9CCE96EC2C9C}" type="datetimeFigureOut">
               <a:rPr lang="en-GB" smtClean="0"/>
-              <a:t>18/12/2018</a:t>
+              <a:t>20/12/2018</a:t>
             </a:fld>
             <a:endParaRPr lang="en-GB"/>
           </a:p>
@@ -634,7 +627,7 @@
           <a:p>
             <a:fld id="{66665395-52C5-5E4B-BB20-CD4E0BBC9899}" type="datetimeFigureOut">
               <a:rPr lang="en-GB" smtClean="0"/>
-              <a:t>18/12/2018</a:t>
+              <a:t>20/12/2018</a:t>
             </a:fld>
             <a:endParaRPr lang="en-GB"/>
           </a:p>
@@ -834,7 +827,7 @@
           <a:p>
             <a:fld id="{66665395-52C5-5E4B-BB20-CD4E0BBC9899}" type="datetimeFigureOut">
               <a:rPr lang="en-GB" smtClean="0"/>
-              <a:t>18/12/2018</a:t>
+              <a:t>20/12/2018</a:t>
             </a:fld>
             <a:endParaRPr lang="en-GB"/>
           </a:p>
@@ -1044,7 +1037,7 @@
           <a:p>
             <a:fld id="{66665395-52C5-5E4B-BB20-CD4E0BBC9899}" type="datetimeFigureOut">
               <a:rPr lang="en-GB" smtClean="0"/>
-              <a:t>18/12/2018</a:t>
+              <a:t>20/12/2018</a:t>
             </a:fld>
             <a:endParaRPr lang="en-GB"/>
           </a:p>
@@ -1244,7 +1237,7 @@
           <a:p>
             <a:fld id="{66665395-52C5-5E4B-BB20-CD4E0BBC9899}" type="datetimeFigureOut">
               <a:rPr lang="en-GB" smtClean="0"/>
-              <a:t>18/12/2018</a:t>
+              <a:t>20/12/2018</a:t>
             </a:fld>
             <a:endParaRPr lang="en-GB"/>
           </a:p>
@@ -1520,7 +1513,7 @@
           <a:p>
             <a:fld id="{66665395-52C5-5E4B-BB20-CD4E0BBC9899}" type="datetimeFigureOut">
               <a:rPr lang="en-GB" smtClean="0"/>
-              <a:t>18/12/2018</a:t>
+              <a:t>20/12/2018</a:t>
             </a:fld>
             <a:endParaRPr lang="en-GB"/>
           </a:p>
@@ -1788,7 +1781,7 @@
           <a:p>
             <a:fld id="{66665395-52C5-5E4B-BB20-CD4E0BBC9899}" type="datetimeFigureOut">
               <a:rPr lang="en-GB" smtClean="0"/>
-              <a:t>18/12/2018</a:t>
+              <a:t>20/12/2018</a:t>
             </a:fld>
             <a:endParaRPr lang="en-GB"/>
           </a:p>
@@ -2203,7 +2196,7 @@
           <a:p>
             <a:fld id="{66665395-52C5-5E4B-BB20-CD4E0BBC9899}" type="datetimeFigureOut">
               <a:rPr lang="en-GB" smtClean="0"/>
-              <a:t>18/12/2018</a:t>
+              <a:t>20/12/2018</a:t>
             </a:fld>
             <a:endParaRPr lang="en-GB"/>
           </a:p>
@@ -2345,7 +2338,7 @@
           <a:p>
             <a:fld id="{66665395-52C5-5E4B-BB20-CD4E0BBC9899}" type="datetimeFigureOut">
               <a:rPr lang="en-GB" smtClean="0"/>
-              <a:t>18/12/2018</a:t>
+              <a:t>20/12/2018</a:t>
             </a:fld>
             <a:endParaRPr lang="en-GB"/>
           </a:p>
@@ -2458,7 +2451,7 @@
           <a:p>
             <a:fld id="{66665395-52C5-5E4B-BB20-CD4E0BBC9899}" type="datetimeFigureOut">
               <a:rPr lang="en-GB" smtClean="0"/>
-              <a:t>18/12/2018</a:t>
+              <a:t>20/12/2018</a:t>
             </a:fld>
             <a:endParaRPr lang="en-GB"/>
           </a:p>
@@ -2771,7 +2764,7 @@
           <a:p>
             <a:fld id="{66665395-52C5-5E4B-BB20-CD4E0BBC9899}" type="datetimeFigureOut">
               <a:rPr lang="en-GB" smtClean="0"/>
-              <a:t>18/12/2018</a:t>
+              <a:t>20/12/2018</a:t>
             </a:fld>
             <a:endParaRPr lang="en-GB"/>
           </a:p>
@@ -3060,7 +3053,7 @@
           <a:p>
             <a:fld id="{66665395-52C5-5E4B-BB20-CD4E0BBC9899}" type="datetimeFigureOut">
               <a:rPr lang="en-GB" smtClean="0"/>
-              <a:t>18/12/2018</a:t>
+              <a:t>20/12/2018</a:t>
             </a:fld>
             <a:endParaRPr lang="en-GB"/>
           </a:p>
@@ -3303,7 +3296,7 @@
           <a:p>
             <a:fld id="{66665395-52C5-5E4B-BB20-CD4E0BBC9899}" type="datetimeFigureOut">
               <a:rPr lang="en-GB" smtClean="0"/>
-              <a:t>18/12/2018</a:t>
+              <a:t>20/12/2018</a:t>
             </a:fld>
             <a:endParaRPr lang="en-GB"/>
           </a:p>
@@ -3819,7 +3812,7 @@
           <p:cNvPr id="2" name="Title 1">
             <a:extLst>
               <a:ext uri="{FF2B5EF4-FFF2-40B4-BE49-F238E27FC236}">
-                <a16:creationId xmlns:a16="http://schemas.microsoft.com/office/drawing/2014/main" id="{FC54B7AA-8BB3-7E48-A72E-6294B5A00AA3}"/>
+                <a16:creationId xmlns:a16="http://schemas.microsoft.com/office/drawing/2014/main" id="{62EFEAE1-6494-6743-93FA-B10A9913D1F6}"/>
               </a:ext>
             </a:extLst>
           </p:cNvPr>
@@ -3830,41 +3823,462 @@
             <p:ph type="title"/>
           </p:nvPr>
         </p:nvSpPr>
-        <p:spPr/>
+        <p:spPr>
+          <a:xfrm>
+            <a:off x="838200" y="185837"/>
+            <a:ext cx="10515600" cy="1325563"/>
+          </a:xfrm>
+        </p:spPr>
         <p:txBody>
           <a:bodyPr/>
           <a:lstStyle/>
           <a:p>
             <a:r>
               <a:rPr lang="en-GB" dirty="0" err="1"/>
-              <a:t>Opgave</a:t>
+              <a:t>Kortspillet</a:t>
             </a:r>
             <a:r>
               <a:rPr lang="en-GB" dirty="0"/>
-              <a:t>: </a:t>
+              <a:t> </a:t>
             </a:r>
             <a:r>
               <a:rPr lang="en-GB" dirty="0" err="1"/>
-              <a:t>Lav</a:t>
-            </a:r>
-            <a:r>
-              <a:rPr lang="en-GB" dirty="0"/>
-              <a:t> UML diagram for </a:t>
-            </a:r>
-            <a:r>
-              <a:rPr lang="en-GB" dirty="0" err="1"/>
-              <a:t>animalSmall</a:t>
-            </a:r>
+              <a:t>krig</a:t>
+            </a:r>
+            <a:endParaRPr lang="en-GB" dirty="0"/>
+          </a:p>
+        </p:txBody>
+      </p:sp>
+      <p:sp>
+        <p:nvSpPr>
+          <p:cNvPr id="5" name="Content Placeholder 2">
+            <a:extLst>
+              <a:ext uri="{FF2B5EF4-FFF2-40B4-BE49-F238E27FC236}">
+                <a16:creationId xmlns:a16="http://schemas.microsoft.com/office/drawing/2014/main" id="{0FC3E5E5-B759-D845-9B94-6DE05D5FD722}"/>
+              </a:ext>
+            </a:extLst>
+          </p:cNvPr>
+          <p:cNvSpPr txBox="1">
+            <a:spLocks/>
+          </p:cNvSpPr>
+          <p:nvPr/>
+        </p:nvSpPr>
+        <p:spPr>
+          <a:xfrm>
+            <a:off x="89649" y="1470212"/>
+            <a:ext cx="6651811" cy="5387788"/>
+          </a:xfrm>
+          <a:prstGeom prst="rect">
+            <a:avLst/>
+          </a:prstGeom>
+        </p:spPr>
+        <p:txBody>
+          <a:bodyPr vert="horz" lIns="91440" tIns="45720" rIns="91440" bIns="45720" rtlCol="0">
+            <a:normAutofit fontScale="85000" lnSpcReduction="10000"/>
+          </a:bodyPr>
+          <a:lstStyle>
+            <a:lvl1pPr marL="228600" indent="-228600" algn="l" defTabSz="914400" rtl="0" eaLnBrk="1" latinLnBrk="0" hangingPunct="1">
+              <a:lnSpc>
+                <a:spcPct val="90000"/>
+              </a:lnSpc>
+              <a:spcBef>
+                <a:spcPts val="1000"/>
+              </a:spcBef>
+              <a:buFont typeface="Arial" panose="020B0604020202020204" pitchFamily="34" charset="0"/>
+              <a:buChar char="•"/>
+              <a:defRPr sz="2800" kern="1200">
+                <a:solidFill>
+                  <a:schemeClr val="tx1"/>
+                </a:solidFill>
+                <a:latin typeface="+mn-lt"/>
+                <a:ea typeface="+mn-ea"/>
+                <a:cs typeface="+mn-cs"/>
+              </a:defRPr>
+            </a:lvl1pPr>
+            <a:lvl2pPr marL="685800" indent="-228600" algn="l" defTabSz="914400" rtl="0" eaLnBrk="1" latinLnBrk="0" hangingPunct="1">
+              <a:lnSpc>
+                <a:spcPct val="90000"/>
+              </a:lnSpc>
+              <a:spcBef>
+                <a:spcPts val="500"/>
+              </a:spcBef>
+              <a:buFont typeface="Arial" panose="020B0604020202020204" pitchFamily="34" charset="0"/>
+              <a:buChar char="•"/>
+              <a:defRPr sz="2400" kern="1200">
+                <a:solidFill>
+                  <a:schemeClr val="tx1"/>
+                </a:solidFill>
+                <a:latin typeface="+mn-lt"/>
+                <a:ea typeface="+mn-ea"/>
+                <a:cs typeface="+mn-cs"/>
+              </a:defRPr>
+            </a:lvl2pPr>
+            <a:lvl3pPr marL="1143000" indent="-228600" algn="l" defTabSz="914400" rtl="0" eaLnBrk="1" latinLnBrk="0" hangingPunct="1">
+              <a:lnSpc>
+                <a:spcPct val="90000"/>
+              </a:lnSpc>
+              <a:spcBef>
+                <a:spcPts val="500"/>
+              </a:spcBef>
+              <a:buFont typeface="Arial" panose="020B0604020202020204" pitchFamily="34" charset="0"/>
+              <a:buChar char="•"/>
+              <a:defRPr sz="2000" kern="1200">
+                <a:solidFill>
+                  <a:schemeClr val="tx1"/>
+                </a:solidFill>
+                <a:latin typeface="+mn-lt"/>
+                <a:ea typeface="+mn-ea"/>
+                <a:cs typeface="+mn-cs"/>
+              </a:defRPr>
+            </a:lvl3pPr>
+            <a:lvl4pPr marL="1600200" indent="-228600" algn="l" defTabSz="914400" rtl="0" eaLnBrk="1" latinLnBrk="0" hangingPunct="1">
+              <a:lnSpc>
+                <a:spcPct val="90000"/>
+              </a:lnSpc>
+              <a:spcBef>
+                <a:spcPts val="500"/>
+              </a:spcBef>
+              <a:buFont typeface="Arial" panose="020B0604020202020204" pitchFamily="34" charset="0"/>
+              <a:buChar char="•"/>
+              <a:defRPr sz="1800" kern="1200">
+                <a:solidFill>
+                  <a:schemeClr val="tx1"/>
+                </a:solidFill>
+                <a:latin typeface="+mn-lt"/>
+                <a:ea typeface="+mn-ea"/>
+                <a:cs typeface="+mn-cs"/>
+              </a:defRPr>
+            </a:lvl4pPr>
+            <a:lvl5pPr marL="2057400" indent="-228600" algn="l" defTabSz="914400" rtl="0" eaLnBrk="1" latinLnBrk="0" hangingPunct="1">
+              <a:lnSpc>
+                <a:spcPct val="90000"/>
+              </a:lnSpc>
+              <a:spcBef>
+                <a:spcPts val="500"/>
+              </a:spcBef>
+              <a:buFont typeface="Arial" panose="020B0604020202020204" pitchFamily="34" charset="0"/>
+              <a:buChar char="•"/>
+              <a:defRPr sz="1800" kern="1200">
+                <a:solidFill>
+                  <a:schemeClr val="tx1"/>
+                </a:solidFill>
+                <a:latin typeface="+mn-lt"/>
+                <a:ea typeface="+mn-ea"/>
+                <a:cs typeface="+mn-cs"/>
+              </a:defRPr>
+            </a:lvl5pPr>
+            <a:lvl6pPr marL="2514600" indent="-228600" algn="l" defTabSz="914400" rtl="0" eaLnBrk="1" latinLnBrk="0" hangingPunct="1">
+              <a:lnSpc>
+                <a:spcPct val="90000"/>
+              </a:lnSpc>
+              <a:spcBef>
+                <a:spcPts val="500"/>
+              </a:spcBef>
+              <a:buFont typeface="Arial" panose="020B0604020202020204" pitchFamily="34" charset="0"/>
+              <a:buChar char="•"/>
+              <a:defRPr sz="1800" kern="1200">
+                <a:solidFill>
+                  <a:schemeClr val="tx1"/>
+                </a:solidFill>
+                <a:latin typeface="+mn-lt"/>
+                <a:ea typeface="+mn-ea"/>
+                <a:cs typeface="+mn-cs"/>
+              </a:defRPr>
+            </a:lvl6pPr>
+            <a:lvl7pPr marL="2971800" indent="-228600" algn="l" defTabSz="914400" rtl="0" eaLnBrk="1" latinLnBrk="0" hangingPunct="1">
+              <a:lnSpc>
+                <a:spcPct val="90000"/>
+              </a:lnSpc>
+              <a:spcBef>
+                <a:spcPts val="500"/>
+              </a:spcBef>
+              <a:buFont typeface="Arial" panose="020B0604020202020204" pitchFamily="34" charset="0"/>
+              <a:buChar char="•"/>
+              <a:defRPr sz="1800" kern="1200">
+                <a:solidFill>
+                  <a:schemeClr val="tx1"/>
+                </a:solidFill>
+                <a:latin typeface="+mn-lt"/>
+                <a:ea typeface="+mn-ea"/>
+                <a:cs typeface="+mn-cs"/>
+              </a:defRPr>
+            </a:lvl7pPr>
+            <a:lvl8pPr marL="3429000" indent="-228600" algn="l" defTabSz="914400" rtl="0" eaLnBrk="1" latinLnBrk="0" hangingPunct="1">
+              <a:lnSpc>
+                <a:spcPct val="90000"/>
+              </a:lnSpc>
+              <a:spcBef>
+                <a:spcPts val="500"/>
+              </a:spcBef>
+              <a:buFont typeface="Arial" panose="020B0604020202020204" pitchFamily="34" charset="0"/>
+              <a:buChar char="•"/>
+              <a:defRPr sz="1800" kern="1200">
+                <a:solidFill>
+                  <a:schemeClr val="tx1"/>
+                </a:solidFill>
+                <a:latin typeface="+mn-lt"/>
+                <a:ea typeface="+mn-ea"/>
+                <a:cs typeface="+mn-cs"/>
+              </a:defRPr>
+            </a:lvl8pPr>
+            <a:lvl9pPr marL="3886200" indent="-228600" algn="l" defTabSz="914400" rtl="0" eaLnBrk="1" latinLnBrk="0" hangingPunct="1">
+              <a:lnSpc>
+                <a:spcPct val="90000"/>
+              </a:lnSpc>
+              <a:spcBef>
+                <a:spcPts val="500"/>
+              </a:spcBef>
+              <a:buFont typeface="Arial" panose="020B0604020202020204" pitchFamily="34" charset="0"/>
+              <a:buChar char="•"/>
+              <a:defRPr sz="1800" kern="1200">
+                <a:solidFill>
+                  <a:schemeClr val="tx1"/>
+                </a:solidFill>
+                <a:latin typeface="+mn-lt"/>
+                <a:ea typeface="+mn-ea"/>
+                <a:cs typeface="+mn-cs"/>
+              </a:defRPr>
+            </a:lvl9pPr>
+          </a:lstStyle>
+          <a:p>
+            <a:pPr marL="0" indent="0">
+              <a:buFont typeface="Arial" panose="020B0604020202020204" pitchFamily="34" charset="0"/>
+              <a:buNone/>
+            </a:pPr>
+            <a:r>
+              <a:rPr lang="da-DK" dirty="0">
+                <a:highlight>
+                  <a:srgbClr val="00FF00"/>
+                </a:highlight>
+              </a:rPr>
+              <a:t>Spiller</a:t>
+            </a:r>
+            <a:r>
+              <a:rPr lang="da-DK" dirty="0"/>
+              <a:t> </a:t>
+            </a:r>
+          </a:p>
+          <a:p>
+            <a:pPr marL="0" indent="0">
+              <a:buFont typeface="Arial" panose="020B0604020202020204" pitchFamily="34" charset="0"/>
+              <a:buNone/>
+            </a:pPr>
+            <a:r>
+              <a:rPr lang="da-DK" dirty="0">
+                <a:highlight>
+                  <a:srgbClr val="00FF00"/>
+                </a:highlight>
+              </a:rPr>
+              <a:t>Kort</a:t>
+            </a:r>
+          </a:p>
+          <a:p>
+            <a:pPr marL="0" indent="0">
+              <a:buFont typeface="Arial" panose="020B0604020202020204" pitchFamily="34" charset="0"/>
+              <a:buNone/>
+            </a:pPr>
+            <a:r>
+              <a:rPr lang="da-DK" dirty="0">
+                <a:highlight>
+                  <a:srgbClr val="00FF00"/>
+                </a:highlight>
+              </a:rPr>
+              <a:t>Bunke/ kortstak</a:t>
+            </a:r>
+          </a:p>
+          <a:p>
+            <a:pPr marL="0" indent="0">
+              <a:buFont typeface="Arial" panose="020B0604020202020204" pitchFamily="34" charset="0"/>
+              <a:buNone/>
+            </a:pPr>
+            <a:r>
+              <a:rPr lang="da-DK" dirty="0">
+                <a:highlight>
+                  <a:srgbClr val="00FF00"/>
+                </a:highlight>
+              </a:rPr>
+              <a:t>Billedsiden</a:t>
+            </a:r>
+          </a:p>
+          <a:p>
+            <a:pPr marL="0" indent="0">
+              <a:buFont typeface="Arial" panose="020B0604020202020204" pitchFamily="34" charset="0"/>
+              <a:buNone/>
+            </a:pPr>
+            <a:r>
+              <a:rPr lang="da-DK" dirty="0">
+                <a:highlight>
+                  <a:srgbClr val="00FF00"/>
+                </a:highlight>
+              </a:rPr>
+              <a:t>Værdi</a:t>
+            </a:r>
+          </a:p>
+          <a:p>
+            <a:pPr marL="0" indent="0">
+              <a:buFont typeface="Arial" panose="020B0604020202020204" pitchFamily="34" charset="0"/>
+              <a:buNone/>
+            </a:pPr>
+            <a:endParaRPr lang="da-DK" dirty="0">
+              <a:highlight>
+                <a:srgbClr val="00FFFF"/>
+              </a:highlight>
+            </a:endParaRPr>
+          </a:p>
+          <a:p>
+            <a:pPr marL="0" indent="0">
+              <a:buFont typeface="Arial" panose="020B0604020202020204" pitchFamily="34" charset="0"/>
+              <a:buNone/>
+            </a:pPr>
+            <a:r>
+              <a:rPr lang="da-DK" dirty="0"/>
+              <a:t>Spiller </a:t>
+            </a:r>
+            <a:r>
+              <a:rPr lang="da-DK" dirty="0">
+                <a:highlight>
+                  <a:srgbClr val="00FFFF"/>
+                </a:highlight>
+              </a:rPr>
+              <a:t>får</a:t>
+            </a:r>
+            <a:r>
+              <a:rPr lang="da-DK" dirty="0"/>
+              <a:t> kort</a:t>
+            </a:r>
+          </a:p>
+          <a:p>
+            <a:pPr marL="0" indent="0">
+              <a:buFont typeface="Arial" panose="020B0604020202020204" pitchFamily="34" charset="0"/>
+              <a:buNone/>
+            </a:pPr>
+            <a:r>
+              <a:rPr lang="da-DK" dirty="0"/>
+              <a:t>Kort </a:t>
+            </a:r>
+            <a:r>
+              <a:rPr lang="da-DK" dirty="0">
+                <a:highlight>
+                  <a:srgbClr val="00FFFF"/>
+                </a:highlight>
+              </a:rPr>
+              <a:t>placeres</a:t>
+            </a:r>
+            <a:r>
+              <a:rPr lang="da-DK" dirty="0"/>
+              <a:t> foran spiller</a:t>
+            </a:r>
+          </a:p>
+          <a:p>
+            <a:pPr marL="0" indent="0">
+              <a:buFont typeface="Arial" panose="020B0604020202020204" pitchFamily="34" charset="0"/>
+              <a:buNone/>
+            </a:pPr>
+            <a:r>
+              <a:rPr lang="da-DK" dirty="0"/>
+              <a:t>Spiller </a:t>
+            </a:r>
+            <a:r>
+              <a:rPr lang="da-DK" dirty="0">
+                <a:highlight>
+                  <a:srgbClr val="00FFFF"/>
+                </a:highlight>
+              </a:rPr>
+              <a:t>vender</a:t>
+            </a:r>
+            <a:r>
+              <a:rPr lang="da-DK" dirty="0"/>
+              <a:t> det øverste kort. </a:t>
+            </a:r>
+          </a:p>
+          <a:p>
+            <a:pPr marL="0" indent="0">
+              <a:buFont typeface="Arial" panose="020B0604020202020204" pitchFamily="34" charset="0"/>
+              <a:buNone/>
+            </a:pPr>
+            <a:r>
+              <a:rPr lang="da-DK" dirty="0"/>
+              <a:t>Spiller med det højeste </a:t>
+            </a:r>
+            <a:r>
+              <a:rPr lang="da-DK" dirty="0">
+                <a:highlight>
+                  <a:srgbClr val="00FFFF"/>
+                </a:highlight>
+              </a:rPr>
+              <a:t>vinder</a:t>
+            </a:r>
+            <a:r>
+              <a:rPr lang="da-DK" dirty="0"/>
+              <a:t> modstanderens kort. </a:t>
+            </a:r>
+          </a:p>
+          <a:p>
+            <a:pPr marL="0" indent="0">
+              <a:buFont typeface="Arial" panose="020B0604020202020204" pitchFamily="34" charset="0"/>
+              <a:buNone/>
+            </a:pPr>
+            <a:r>
+              <a:rPr lang="da-DK" dirty="0"/>
+              <a:t>Når 2 kort af samme værdi vendes </a:t>
+            </a:r>
+            <a:r>
+              <a:rPr lang="da-DK" dirty="0">
+                <a:highlight>
+                  <a:srgbClr val="00FFFF"/>
+                </a:highlight>
+              </a:rPr>
+              <a:t>bliver der krig</a:t>
+            </a:r>
+            <a:r>
+              <a:rPr lang="da-DK" dirty="0"/>
+              <a:t>.</a:t>
+            </a:r>
+          </a:p>
+          <a:p>
+            <a:pPr marL="0" indent="0">
+              <a:buFont typeface="Arial" panose="020B0604020202020204" pitchFamily="34" charset="0"/>
+              <a:buNone/>
+            </a:pPr>
+            <a:r>
+              <a:rPr lang="da-DK" dirty="0"/>
+              <a:t>I krig lægges yderligere 3 kort frem og den hvis tredje er størst </a:t>
+            </a:r>
+            <a:r>
+              <a:rPr lang="da-DK" dirty="0">
+                <a:highlight>
+                  <a:srgbClr val="00FFFF"/>
+                </a:highlight>
+              </a:rPr>
+              <a:t>tager alle de vendte kort</a:t>
+            </a:r>
+            <a:r>
+              <a:rPr lang="da-DK" dirty="0"/>
+              <a:t>.</a:t>
+            </a:r>
+          </a:p>
+          <a:p>
+            <a:pPr marL="0" indent="0">
+              <a:buFont typeface="Arial" panose="020B0604020202020204" pitchFamily="34" charset="0"/>
+              <a:buNone/>
+            </a:pPr>
+            <a:endParaRPr lang="da-DK" dirty="0"/>
+          </a:p>
+          <a:p>
+            <a:pPr marL="0" indent="0">
+              <a:buFont typeface="Arial" panose="020B0604020202020204" pitchFamily="34" charset="0"/>
+              <a:buNone/>
+            </a:pPr>
             <a:endParaRPr lang="en-GB" dirty="0"/>
           </a:p>
         </p:txBody>
       </p:sp>
       <p:pic>
         <p:nvPicPr>
-          <p:cNvPr id="5" name="Picture 4">
+          <p:cNvPr id="3" name="Picture 2">
             <a:extLst>
               <a:ext uri="{FF2B5EF4-FFF2-40B4-BE49-F238E27FC236}">
-                <a16:creationId xmlns:a16="http://schemas.microsoft.com/office/drawing/2014/main" id="{AA2D00EB-984B-454D-8A5C-F5037FF4857E}"/>
+                <a16:creationId xmlns:a16="http://schemas.microsoft.com/office/drawing/2014/main" id="{4E11918D-C944-AF44-9305-8C6798ED6DDA}"/>
               </a:ext>
             </a:extLst>
           </p:cNvPr>
@@ -3881,83 +4295,18 @@
         </p:blipFill>
         <p:spPr>
           <a:xfrm>
-            <a:off x="2881743" y="4136229"/>
-            <a:ext cx="6113553" cy="2503514"/>
+            <a:off x="4882029" y="848618"/>
+            <a:ext cx="6928029" cy="4118798"/>
           </a:xfrm>
           <a:prstGeom prst="rect">
             <a:avLst/>
           </a:prstGeom>
         </p:spPr>
       </p:pic>
-      <p:pic>
-        <p:nvPicPr>
-          <p:cNvPr id="6" name="Picture 5">
-            <a:extLst>
-              <a:ext uri="{FF2B5EF4-FFF2-40B4-BE49-F238E27FC236}">
-                <a16:creationId xmlns:a16="http://schemas.microsoft.com/office/drawing/2014/main" id="{622E99B3-7174-DD4D-BC47-3F61AECE1782}"/>
-              </a:ext>
-            </a:extLst>
-          </p:cNvPr>
-          <p:cNvPicPr>
-            <a:picLocks noChangeAspect="1"/>
-          </p:cNvPicPr>
-          <p:nvPr/>
-        </p:nvPicPr>
-        <p:blipFill>
-          <a:blip r:embed="rId3"/>
-          <a:stretch>
-            <a:fillRect/>
-          </a:stretch>
-        </p:blipFill>
-        <p:spPr>
-          <a:xfrm>
-            <a:off x="6411509" y="1632657"/>
-            <a:ext cx="5780491" cy="2208493"/>
-          </a:xfrm>
-          <a:prstGeom prst="rect">
-            <a:avLst/>
-          </a:prstGeom>
-        </p:spPr>
-      </p:pic>
-      <p:pic>
-        <p:nvPicPr>
-          <p:cNvPr id="7" name="Picture 6">
-            <a:extLst>
-              <a:ext uri="{FF2B5EF4-FFF2-40B4-BE49-F238E27FC236}">
-                <a16:creationId xmlns:a16="http://schemas.microsoft.com/office/drawing/2014/main" id="{163C6E32-DFD8-454D-9207-BBBB0B69CF65}"/>
-              </a:ext>
-            </a:extLst>
-          </p:cNvPr>
-          <p:cNvPicPr>
-            <a:picLocks noChangeAspect="1"/>
-          </p:cNvPicPr>
-          <p:nvPr/>
-        </p:nvPicPr>
-        <p:blipFill>
-          <a:blip r:embed="rId4"/>
-          <a:stretch>
-            <a:fillRect/>
-          </a:stretch>
-        </p:blipFill>
-        <p:spPr>
-          <a:xfrm>
-            <a:off x="0" y="1512094"/>
-            <a:ext cx="5938520" cy="2489200"/>
-          </a:xfrm>
-          <a:prstGeom prst="rect">
-            <a:avLst/>
-          </a:prstGeom>
-          <a:ln>
-            <a:solidFill>
-              <a:schemeClr val="accent1"/>
-            </a:solidFill>
-          </a:ln>
-        </p:spPr>
-      </p:pic>
     </p:spTree>
     <p:extLst>
       <p:ext uri="{BB962C8B-B14F-4D97-AF65-F5344CB8AC3E}">
-        <p14:creationId xmlns:p14="http://schemas.microsoft.com/office/powerpoint/2010/main" val="34110647"/>
+        <p14:creationId xmlns:p14="http://schemas.microsoft.com/office/powerpoint/2010/main" val="2295751591"/>
       </p:ext>
     </p:extLst>
   </p:cSld>
@@ -3986,10 +4335,10 @@
       </p:grpSpPr>
       <p:pic>
         <p:nvPicPr>
-          <p:cNvPr id="2" name="Picture 1">
+          <p:cNvPr id="3" name="Picture 2">
             <a:extLst>
               <a:ext uri="{FF2B5EF4-FFF2-40B4-BE49-F238E27FC236}">
-                <a16:creationId xmlns:a16="http://schemas.microsoft.com/office/drawing/2014/main" id="{7B916113-A407-1B4B-AC88-CF6DDEE2618C}"/>
+                <a16:creationId xmlns:a16="http://schemas.microsoft.com/office/drawing/2014/main" id="{DD11B7A3-AAF4-0C4E-A7CC-F4975A02DC07}"/>
               </a:ext>
             </a:extLst>
           </p:cNvPr>
@@ -4006,18 +4355,484 @@
         </p:blipFill>
         <p:spPr>
           <a:xfrm>
-            <a:off x="2330320" y="281912"/>
-            <a:ext cx="7531359" cy="6294175"/>
+            <a:off x="4529423" y="135803"/>
+            <a:ext cx="7572928" cy="5894294"/>
           </a:xfrm>
           <a:prstGeom prst="rect">
             <a:avLst/>
           </a:prstGeom>
         </p:spPr>
       </p:pic>
+      <p:sp>
+        <p:nvSpPr>
+          <p:cNvPr id="2" name="Title 1">
+            <a:extLst>
+              <a:ext uri="{FF2B5EF4-FFF2-40B4-BE49-F238E27FC236}">
+                <a16:creationId xmlns:a16="http://schemas.microsoft.com/office/drawing/2014/main" id="{62EFEAE1-6494-6743-93FA-B10A9913D1F6}"/>
+              </a:ext>
+            </a:extLst>
+          </p:cNvPr>
+          <p:cNvSpPr>
+            <a:spLocks noGrp="1"/>
+          </p:cNvSpPr>
+          <p:nvPr>
+            <p:ph type="title"/>
+          </p:nvPr>
+        </p:nvSpPr>
+        <p:spPr>
+          <a:xfrm>
+            <a:off x="838200" y="149978"/>
+            <a:ext cx="10515600" cy="1325563"/>
+          </a:xfrm>
+        </p:spPr>
+        <p:txBody>
+          <a:bodyPr/>
+          <a:lstStyle/>
+          <a:p>
+            <a:r>
+              <a:rPr lang="en-GB" dirty="0" err="1"/>
+              <a:t>Kortspillet</a:t>
+            </a:r>
+            <a:r>
+              <a:rPr lang="en-GB" dirty="0"/>
+              <a:t> </a:t>
+            </a:r>
+            <a:r>
+              <a:rPr lang="en-GB" dirty="0" err="1"/>
+              <a:t>krig</a:t>
+            </a:r>
+            <a:endParaRPr lang="en-GB" dirty="0"/>
+          </a:p>
+        </p:txBody>
+      </p:sp>
+      <p:sp>
+        <p:nvSpPr>
+          <p:cNvPr id="5" name="Content Placeholder 2">
+            <a:extLst>
+              <a:ext uri="{FF2B5EF4-FFF2-40B4-BE49-F238E27FC236}">
+                <a16:creationId xmlns:a16="http://schemas.microsoft.com/office/drawing/2014/main" id="{5EF0526E-56F3-1E45-89F8-BF90FDD92341}"/>
+              </a:ext>
+            </a:extLst>
+          </p:cNvPr>
+          <p:cNvSpPr txBox="1">
+            <a:spLocks/>
+          </p:cNvSpPr>
+          <p:nvPr/>
+        </p:nvSpPr>
+        <p:spPr>
+          <a:xfrm>
+            <a:off x="89649" y="1470212"/>
+            <a:ext cx="6651811" cy="5387788"/>
+          </a:xfrm>
+          <a:prstGeom prst="rect">
+            <a:avLst/>
+          </a:prstGeom>
+        </p:spPr>
+        <p:txBody>
+          <a:bodyPr vert="horz" lIns="91440" tIns="45720" rIns="91440" bIns="45720" rtlCol="0">
+            <a:normAutofit fontScale="85000" lnSpcReduction="10000"/>
+          </a:bodyPr>
+          <a:lstStyle>
+            <a:lvl1pPr marL="228600" indent="-228600" algn="l" defTabSz="914400" rtl="0" eaLnBrk="1" latinLnBrk="0" hangingPunct="1">
+              <a:lnSpc>
+                <a:spcPct val="90000"/>
+              </a:lnSpc>
+              <a:spcBef>
+                <a:spcPts val="1000"/>
+              </a:spcBef>
+              <a:buFont typeface="Arial" panose="020B0604020202020204" pitchFamily="34" charset="0"/>
+              <a:buChar char="•"/>
+              <a:defRPr sz="2800" kern="1200">
+                <a:solidFill>
+                  <a:schemeClr val="tx1"/>
+                </a:solidFill>
+                <a:latin typeface="+mn-lt"/>
+                <a:ea typeface="+mn-ea"/>
+                <a:cs typeface="+mn-cs"/>
+              </a:defRPr>
+            </a:lvl1pPr>
+            <a:lvl2pPr marL="685800" indent="-228600" algn="l" defTabSz="914400" rtl="0" eaLnBrk="1" latinLnBrk="0" hangingPunct="1">
+              <a:lnSpc>
+                <a:spcPct val="90000"/>
+              </a:lnSpc>
+              <a:spcBef>
+                <a:spcPts val="500"/>
+              </a:spcBef>
+              <a:buFont typeface="Arial" panose="020B0604020202020204" pitchFamily="34" charset="0"/>
+              <a:buChar char="•"/>
+              <a:defRPr sz="2400" kern="1200">
+                <a:solidFill>
+                  <a:schemeClr val="tx1"/>
+                </a:solidFill>
+                <a:latin typeface="+mn-lt"/>
+                <a:ea typeface="+mn-ea"/>
+                <a:cs typeface="+mn-cs"/>
+              </a:defRPr>
+            </a:lvl2pPr>
+            <a:lvl3pPr marL="1143000" indent="-228600" algn="l" defTabSz="914400" rtl="0" eaLnBrk="1" latinLnBrk="0" hangingPunct="1">
+              <a:lnSpc>
+                <a:spcPct val="90000"/>
+              </a:lnSpc>
+              <a:spcBef>
+                <a:spcPts val="500"/>
+              </a:spcBef>
+              <a:buFont typeface="Arial" panose="020B0604020202020204" pitchFamily="34" charset="0"/>
+              <a:buChar char="•"/>
+              <a:defRPr sz="2000" kern="1200">
+                <a:solidFill>
+                  <a:schemeClr val="tx1"/>
+                </a:solidFill>
+                <a:latin typeface="+mn-lt"/>
+                <a:ea typeface="+mn-ea"/>
+                <a:cs typeface="+mn-cs"/>
+              </a:defRPr>
+            </a:lvl3pPr>
+            <a:lvl4pPr marL="1600200" indent="-228600" algn="l" defTabSz="914400" rtl="0" eaLnBrk="1" latinLnBrk="0" hangingPunct="1">
+              <a:lnSpc>
+                <a:spcPct val="90000"/>
+              </a:lnSpc>
+              <a:spcBef>
+                <a:spcPts val="500"/>
+              </a:spcBef>
+              <a:buFont typeface="Arial" panose="020B0604020202020204" pitchFamily="34" charset="0"/>
+              <a:buChar char="•"/>
+              <a:defRPr sz="1800" kern="1200">
+                <a:solidFill>
+                  <a:schemeClr val="tx1"/>
+                </a:solidFill>
+                <a:latin typeface="+mn-lt"/>
+                <a:ea typeface="+mn-ea"/>
+                <a:cs typeface="+mn-cs"/>
+              </a:defRPr>
+            </a:lvl4pPr>
+            <a:lvl5pPr marL="2057400" indent="-228600" algn="l" defTabSz="914400" rtl="0" eaLnBrk="1" latinLnBrk="0" hangingPunct="1">
+              <a:lnSpc>
+                <a:spcPct val="90000"/>
+              </a:lnSpc>
+              <a:spcBef>
+                <a:spcPts val="500"/>
+              </a:spcBef>
+              <a:buFont typeface="Arial" panose="020B0604020202020204" pitchFamily="34" charset="0"/>
+              <a:buChar char="•"/>
+              <a:defRPr sz="1800" kern="1200">
+                <a:solidFill>
+                  <a:schemeClr val="tx1"/>
+                </a:solidFill>
+                <a:latin typeface="+mn-lt"/>
+                <a:ea typeface="+mn-ea"/>
+                <a:cs typeface="+mn-cs"/>
+              </a:defRPr>
+            </a:lvl5pPr>
+            <a:lvl6pPr marL="2514600" indent="-228600" algn="l" defTabSz="914400" rtl="0" eaLnBrk="1" latinLnBrk="0" hangingPunct="1">
+              <a:lnSpc>
+                <a:spcPct val="90000"/>
+              </a:lnSpc>
+              <a:spcBef>
+                <a:spcPts val="500"/>
+              </a:spcBef>
+              <a:buFont typeface="Arial" panose="020B0604020202020204" pitchFamily="34" charset="0"/>
+              <a:buChar char="•"/>
+              <a:defRPr sz="1800" kern="1200">
+                <a:solidFill>
+                  <a:schemeClr val="tx1"/>
+                </a:solidFill>
+                <a:latin typeface="+mn-lt"/>
+                <a:ea typeface="+mn-ea"/>
+                <a:cs typeface="+mn-cs"/>
+              </a:defRPr>
+            </a:lvl6pPr>
+            <a:lvl7pPr marL="2971800" indent="-228600" algn="l" defTabSz="914400" rtl="0" eaLnBrk="1" latinLnBrk="0" hangingPunct="1">
+              <a:lnSpc>
+                <a:spcPct val="90000"/>
+              </a:lnSpc>
+              <a:spcBef>
+                <a:spcPts val="500"/>
+              </a:spcBef>
+              <a:buFont typeface="Arial" panose="020B0604020202020204" pitchFamily="34" charset="0"/>
+              <a:buChar char="•"/>
+              <a:defRPr sz="1800" kern="1200">
+                <a:solidFill>
+                  <a:schemeClr val="tx1"/>
+                </a:solidFill>
+                <a:latin typeface="+mn-lt"/>
+                <a:ea typeface="+mn-ea"/>
+                <a:cs typeface="+mn-cs"/>
+              </a:defRPr>
+            </a:lvl7pPr>
+            <a:lvl8pPr marL="3429000" indent="-228600" algn="l" defTabSz="914400" rtl="0" eaLnBrk="1" latinLnBrk="0" hangingPunct="1">
+              <a:lnSpc>
+                <a:spcPct val="90000"/>
+              </a:lnSpc>
+              <a:spcBef>
+                <a:spcPts val="500"/>
+              </a:spcBef>
+              <a:buFont typeface="Arial" panose="020B0604020202020204" pitchFamily="34" charset="0"/>
+              <a:buChar char="•"/>
+              <a:defRPr sz="1800" kern="1200">
+                <a:solidFill>
+                  <a:schemeClr val="tx1"/>
+                </a:solidFill>
+                <a:latin typeface="+mn-lt"/>
+                <a:ea typeface="+mn-ea"/>
+                <a:cs typeface="+mn-cs"/>
+              </a:defRPr>
+            </a:lvl8pPr>
+            <a:lvl9pPr marL="3886200" indent="-228600" algn="l" defTabSz="914400" rtl="0" eaLnBrk="1" latinLnBrk="0" hangingPunct="1">
+              <a:lnSpc>
+                <a:spcPct val="90000"/>
+              </a:lnSpc>
+              <a:spcBef>
+                <a:spcPts val="500"/>
+              </a:spcBef>
+              <a:buFont typeface="Arial" panose="020B0604020202020204" pitchFamily="34" charset="0"/>
+              <a:buChar char="•"/>
+              <a:defRPr sz="1800" kern="1200">
+                <a:solidFill>
+                  <a:schemeClr val="tx1"/>
+                </a:solidFill>
+                <a:latin typeface="+mn-lt"/>
+                <a:ea typeface="+mn-ea"/>
+                <a:cs typeface="+mn-cs"/>
+              </a:defRPr>
+            </a:lvl9pPr>
+          </a:lstStyle>
+          <a:p>
+            <a:pPr marL="0" indent="0">
+              <a:buFont typeface="Arial" panose="020B0604020202020204" pitchFamily="34" charset="0"/>
+              <a:buNone/>
+            </a:pPr>
+            <a:r>
+              <a:rPr lang="da-DK" dirty="0">
+                <a:highlight>
+                  <a:srgbClr val="00FF00"/>
+                </a:highlight>
+              </a:rPr>
+              <a:t>Spiller</a:t>
+            </a:r>
+            <a:r>
+              <a:rPr lang="da-DK" dirty="0"/>
+              <a:t> </a:t>
+            </a:r>
+          </a:p>
+          <a:p>
+            <a:pPr marL="0" indent="0">
+              <a:buFont typeface="Arial" panose="020B0604020202020204" pitchFamily="34" charset="0"/>
+              <a:buNone/>
+            </a:pPr>
+            <a:r>
+              <a:rPr lang="da-DK" dirty="0">
+                <a:highlight>
+                  <a:srgbClr val="00FF00"/>
+                </a:highlight>
+              </a:rPr>
+              <a:t>Kort</a:t>
+            </a:r>
+          </a:p>
+          <a:p>
+            <a:pPr marL="0" indent="0">
+              <a:buFont typeface="Arial" panose="020B0604020202020204" pitchFamily="34" charset="0"/>
+              <a:buNone/>
+            </a:pPr>
+            <a:r>
+              <a:rPr lang="da-DK" dirty="0">
+                <a:highlight>
+                  <a:srgbClr val="00FF00"/>
+                </a:highlight>
+              </a:rPr>
+              <a:t>Bunke/ kortstak</a:t>
+            </a:r>
+          </a:p>
+          <a:p>
+            <a:pPr marL="0" indent="0">
+              <a:buFont typeface="Arial" panose="020B0604020202020204" pitchFamily="34" charset="0"/>
+              <a:buNone/>
+            </a:pPr>
+            <a:r>
+              <a:rPr lang="da-DK" dirty="0">
+                <a:highlight>
+                  <a:srgbClr val="00FF00"/>
+                </a:highlight>
+              </a:rPr>
+              <a:t>Billedsiden</a:t>
+            </a:r>
+          </a:p>
+          <a:p>
+            <a:pPr marL="0" indent="0">
+              <a:buFont typeface="Arial" panose="020B0604020202020204" pitchFamily="34" charset="0"/>
+              <a:buNone/>
+            </a:pPr>
+            <a:r>
+              <a:rPr lang="da-DK" dirty="0">
+                <a:highlight>
+                  <a:srgbClr val="00FF00"/>
+                </a:highlight>
+              </a:rPr>
+              <a:t>Værdi</a:t>
+            </a:r>
+          </a:p>
+          <a:p>
+            <a:pPr marL="0" indent="0">
+              <a:buFont typeface="Arial" panose="020B0604020202020204" pitchFamily="34" charset="0"/>
+              <a:buNone/>
+            </a:pPr>
+            <a:endParaRPr lang="da-DK" dirty="0">
+              <a:highlight>
+                <a:srgbClr val="00FFFF"/>
+              </a:highlight>
+            </a:endParaRPr>
+          </a:p>
+          <a:p>
+            <a:pPr marL="0" indent="0">
+              <a:buFont typeface="Arial" panose="020B0604020202020204" pitchFamily="34" charset="0"/>
+              <a:buNone/>
+            </a:pPr>
+            <a:r>
+              <a:rPr lang="da-DK" dirty="0"/>
+              <a:t>Spiller </a:t>
+            </a:r>
+            <a:r>
+              <a:rPr lang="da-DK" dirty="0">
+                <a:highlight>
+                  <a:srgbClr val="00FFFF"/>
+                </a:highlight>
+              </a:rPr>
+              <a:t>får</a:t>
+            </a:r>
+            <a:r>
+              <a:rPr lang="da-DK" dirty="0"/>
+              <a:t> kort</a:t>
+            </a:r>
+          </a:p>
+          <a:p>
+            <a:pPr marL="0" indent="0">
+              <a:buFont typeface="Arial" panose="020B0604020202020204" pitchFamily="34" charset="0"/>
+              <a:buNone/>
+            </a:pPr>
+            <a:r>
+              <a:rPr lang="da-DK" dirty="0"/>
+              <a:t>Kort </a:t>
+            </a:r>
+            <a:r>
+              <a:rPr lang="da-DK" dirty="0">
+                <a:highlight>
+                  <a:srgbClr val="00FFFF"/>
+                </a:highlight>
+              </a:rPr>
+              <a:t>placeres</a:t>
+            </a:r>
+            <a:r>
+              <a:rPr lang="da-DK" dirty="0"/>
+              <a:t> foran spiller</a:t>
+            </a:r>
+          </a:p>
+          <a:p>
+            <a:pPr marL="0" indent="0">
+              <a:buFont typeface="Arial" panose="020B0604020202020204" pitchFamily="34" charset="0"/>
+              <a:buNone/>
+            </a:pPr>
+            <a:r>
+              <a:rPr lang="da-DK" dirty="0"/>
+              <a:t>Spiller </a:t>
+            </a:r>
+            <a:r>
+              <a:rPr lang="da-DK" dirty="0">
+                <a:highlight>
+                  <a:srgbClr val="00FFFF"/>
+                </a:highlight>
+              </a:rPr>
+              <a:t>vender</a:t>
+            </a:r>
+            <a:r>
+              <a:rPr lang="da-DK" dirty="0"/>
+              <a:t> det øverste kort. </a:t>
+            </a:r>
+          </a:p>
+          <a:p>
+            <a:pPr marL="0" indent="0">
+              <a:buFont typeface="Arial" panose="020B0604020202020204" pitchFamily="34" charset="0"/>
+              <a:buNone/>
+            </a:pPr>
+            <a:r>
+              <a:rPr lang="da-DK" dirty="0"/>
+              <a:t>Spiller med det højeste </a:t>
+            </a:r>
+            <a:r>
+              <a:rPr lang="da-DK" dirty="0">
+                <a:highlight>
+                  <a:srgbClr val="00FFFF"/>
+                </a:highlight>
+              </a:rPr>
+              <a:t>vinder</a:t>
+            </a:r>
+            <a:r>
+              <a:rPr lang="da-DK" dirty="0"/>
+              <a:t> modstanderens kort. </a:t>
+            </a:r>
+          </a:p>
+          <a:p>
+            <a:pPr marL="0" indent="0">
+              <a:buFont typeface="Arial" panose="020B0604020202020204" pitchFamily="34" charset="0"/>
+              <a:buNone/>
+            </a:pPr>
+            <a:r>
+              <a:rPr lang="da-DK" dirty="0"/>
+              <a:t>Når 2 kort af samme værdi vendes </a:t>
+            </a:r>
+            <a:r>
+              <a:rPr lang="da-DK" dirty="0">
+                <a:highlight>
+                  <a:srgbClr val="00FFFF"/>
+                </a:highlight>
+              </a:rPr>
+              <a:t>bliver der krig</a:t>
+            </a:r>
+            <a:r>
+              <a:rPr lang="da-DK" dirty="0"/>
+              <a:t>.</a:t>
+            </a:r>
+          </a:p>
+          <a:p>
+            <a:pPr marL="0" indent="0">
+              <a:buFont typeface="Arial" panose="020B0604020202020204" pitchFamily="34" charset="0"/>
+              <a:buNone/>
+            </a:pPr>
+            <a:r>
+              <a:rPr lang="da-DK" dirty="0"/>
+              <a:t>I krig lægges yderligere 3 kort frem og den hvis tredje er størst </a:t>
+            </a:r>
+            <a:r>
+              <a:rPr lang="da-DK" dirty="0">
+                <a:highlight>
+                  <a:srgbClr val="00FFFF"/>
+                </a:highlight>
+              </a:rPr>
+              <a:t>tager alle de vendte kort</a:t>
+            </a:r>
+            <a:r>
+              <a:rPr lang="da-DK" dirty="0"/>
+              <a:t>.</a:t>
+            </a:r>
+          </a:p>
+          <a:p>
+            <a:pPr marL="0" indent="0">
+              <a:buFont typeface="Arial" panose="020B0604020202020204" pitchFamily="34" charset="0"/>
+              <a:buNone/>
+            </a:pPr>
+            <a:endParaRPr lang="da-DK" dirty="0"/>
+          </a:p>
+          <a:p>
+            <a:pPr marL="0" indent="0">
+              <a:buFont typeface="Arial" panose="020B0604020202020204" pitchFamily="34" charset="0"/>
+              <a:buNone/>
+            </a:pPr>
+            <a:endParaRPr lang="en-GB" dirty="0"/>
+          </a:p>
+        </p:txBody>
+      </p:sp>
     </p:spTree>
     <p:extLst>
       <p:ext uri="{BB962C8B-B14F-4D97-AF65-F5344CB8AC3E}">
-        <p14:creationId xmlns:p14="http://schemas.microsoft.com/office/powerpoint/2010/main" val="556198153"/>
+        <p14:creationId xmlns:p14="http://schemas.microsoft.com/office/powerpoint/2010/main" val="3291766300"/>
       </p:ext>
     </p:extLst>
   </p:cSld>
@@ -4028,6 +4843,1213 @@
 </file>
 
 <file path=ppt/slides/slide12.xml><?xml version="1.0" encoding="utf-8"?>
+<p:sld xmlns:a="http://schemas.openxmlformats.org/drawingml/2006/main" xmlns:r="http://schemas.openxmlformats.org/officeDocument/2006/relationships" xmlns:p="http://schemas.openxmlformats.org/presentationml/2006/main">
+  <p:cSld>
+    <p:spTree>
+      <p:nvGrpSpPr>
+        <p:cNvPr id="1" name=""/>
+        <p:cNvGrpSpPr/>
+        <p:nvPr/>
+      </p:nvGrpSpPr>
+      <p:grpSpPr>
+        <a:xfrm>
+          <a:off x="0" y="0"/>
+          <a:ext cx="0" cy="0"/>
+          <a:chOff x="0" y="0"/>
+          <a:chExt cx="0" cy="0"/>
+        </a:xfrm>
+      </p:grpSpPr>
+      <p:pic>
+        <p:nvPicPr>
+          <p:cNvPr id="3" name="Picture 2">
+            <a:extLst>
+              <a:ext uri="{FF2B5EF4-FFF2-40B4-BE49-F238E27FC236}">
+                <a16:creationId xmlns:a16="http://schemas.microsoft.com/office/drawing/2014/main" id="{DD11B7A3-AAF4-0C4E-A7CC-F4975A02DC07}"/>
+              </a:ext>
+            </a:extLst>
+          </p:cNvPr>
+          <p:cNvPicPr>
+            <a:picLocks noChangeAspect="1"/>
+          </p:cNvPicPr>
+          <p:nvPr/>
+        </p:nvPicPr>
+        <p:blipFill>
+          <a:blip r:embed="rId2"/>
+          <a:stretch>
+            <a:fillRect/>
+          </a:stretch>
+        </p:blipFill>
+        <p:spPr>
+          <a:xfrm>
+            <a:off x="332210" y="1239083"/>
+            <a:ext cx="6498896" cy="5058335"/>
+          </a:xfrm>
+          <a:prstGeom prst="rect">
+            <a:avLst/>
+          </a:prstGeom>
+        </p:spPr>
+      </p:pic>
+      <p:sp>
+        <p:nvSpPr>
+          <p:cNvPr id="2" name="Title 1">
+            <a:extLst>
+              <a:ext uri="{FF2B5EF4-FFF2-40B4-BE49-F238E27FC236}">
+                <a16:creationId xmlns:a16="http://schemas.microsoft.com/office/drawing/2014/main" id="{62EFEAE1-6494-6743-93FA-B10A9913D1F6}"/>
+              </a:ext>
+            </a:extLst>
+          </p:cNvPr>
+          <p:cNvSpPr>
+            <a:spLocks noGrp="1"/>
+          </p:cNvSpPr>
+          <p:nvPr>
+            <p:ph type="title"/>
+          </p:nvPr>
+        </p:nvSpPr>
+        <p:spPr>
+          <a:xfrm>
+            <a:off x="838200" y="149978"/>
+            <a:ext cx="10515600" cy="1325563"/>
+          </a:xfrm>
+        </p:spPr>
+        <p:txBody>
+          <a:bodyPr/>
+          <a:lstStyle/>
+          <a:p>
+            <a:r>
+              <a:rPr lang="en-GB" dirty="0" err="1"/>
+              <a:t>Kortspillet</a:t>
+            </a:r>
+            <a:r>
+              <a:rPr lang="en-GB" dirty="0"/>
+              <a:t> </a:t>
+            </a:r>
+            <a:r>
+              <a:rPr lang="en-GB" dirty="0" err="1"/>
+              <a:t>krig</a:t>
+            </a:r>
+            <a:endParaRPr lang="en-GB" dirty="0"/>
+          </a:p>
+        </p:txBody>
+      </p:sp>
+      <p:sp>
+        <p:nvSpPr>
+          <p:cNvPr id="4" name="TextBox 3">
+            <a:extLst>
+              <a:ext uri="{FF2B5EF4-FFF2-40B4-BE49-F238E27FC236}">
+                <a16:creationId xmlns:a16="http://schemas.microsoft.com/office/drawing/2014/main" id="{EFE58B15-580F-CD43-BA56-53009EAD4475}"/>
+              </a:ext>
+            </a:extLst>
+          </p:cNvPr>
+          <p:cNvSpPr txBox="1"/>
+          <p:nvPr/>
+        </p:nvSpPr>
+        <p:spPr>
+          <a:xfrm>
+            <a:off x="8320511" y="1239083"/>
+            <a:ext cx="1543884" cy="4247317"/>
+          </a:xfrm>
+          <a:prstGeom prst="rect">
+            <a:avLst/>
+          </a:prstGeom>
+          <a:noFill/>
+        </p:spPr>
+        <p:txBody>
+          <a:bodyPr wrap="none" rtlCol="0">
+            <a:spAutoFit/>
+          </a:bodyPr>
+          <a:lstStyle/>
+          <a:p>
+            <a:r>
+              <a:rPr lang="en" dirty="0"/>
+              <a:t>type </a:t>
+            </a:r>
+            <a:r>
+              <a:rPr lang="en" dirty="0" err="1"/>
+              <a:t>bord</a:t>
+            </a:r>
+            <a:r>
+              <a:rPr lang="en" dirty="0"/>
+              <a:t>() =</a:t>
+            </a:r>
+          </a:p>
+          <a:p>
+            <a:r>
+              <a:rPr lang="en" dirty="0"/>
+              <a:t>  class end</a:t>
+            </a:r>
+          </a:p>
+          <a:p>
+            <a:endParaRPr lang="en" dirty="0"/>
+          </a:p>
+          <a:p>
+            <a:r>
+              <a:rPr lang="en" dirty="0"/>
+              <a:t>type spiller() =</a:t>
+            </a:r>
+          </a:p>
+          <a:p>
+            <a:r>
+              <a:rPr lang="en" dirty="0"/>
+              <a:t>  class end</a:t>
+            </a:r>
+          </a:p>
+          <a:p>
+            <a:endParaRPr lang="en" dirty="0"/>
+          </a:p>
+          <a:p>
+            <a:r>
+              <a:rPr lang="en" dirty="0"/>
+              <a:t>type </a:t>
+            </a:r>
+            <a:r>
+              <a:rPr lang="en" dirty="0" err="1"/>
+              <a:t>bunke</a:t>
+            </a:r>
+            <a:r>
+              <a:rPr lang="en" dirty="0"/>
+              <a:t>() =</a:t>
+            </a:r>
+          </a:p>
+          <a:p>
+            <a:r>
+              <a:rPr lang="en" dirty="0"/>
+              <a:t>  class end</a:t>
+            </a:r>
+          </a:p>
+          <a:p>
+            <a:endParaRPr lang="en" dirty="0"/>
+          </a:p>
+          <a:p>
+            <a:r>
+              <a:rPr lang="en" dirty="0"/>
+              <a:t>type </a:t>
+            </a:r>
+            <a:r>
+              <a:rPr lang="en" dirty="0" err="1"/>
+              <a:t>kort</a:t>
+            </a:r>
+            <a:r>
+              <a:rPr lang="en" dirty="0"/>
+              <a:t>() =</a:t>
+            </a:r>
+          </a:p>
+          <a:p>
+            <a:r>
+              <a:rPr lang="en" dirty="0"/>
+              <a:t>  class end</a:t>
+            </a:r>
+          </a:p>
+          <a:p>
+            <a:endParaRPr lang="en" dirty="0"/>
+          </a:p>
+          <a:p>
+            <a:r>
+              <a:rPr lang="en" dirty="0"/>
+              <a:t>type </a:t>
+            </a:r>
+            <a:r>
+              <a:rPr lang="en" dirty="0" err="1"/>
+              <a:t>vaerdi</a:t>
+            </a:r>
+            <a:r>
+              <a:rPr lang="en" dirty="0"/>
+              <a:t>() =</a:t>
+            </a:r>
+          </a:p>
+          <a:p>
+            <a:r>
+              <a:rPr lang="en" dirty="0"/>
+              <a:t>  class end</a:t>
+            </a:r>
+          </a:p>
+          <a:p>
+            <a:r>
+              <a:rPr lang="en" dirty="0"/>
+              <a:t> </a:t>
+            </a:r>
+            <a:endParaRPr lang="en-GB" dirty="0"/>
+          </a:p>
+        </p:txBody>
+      </p:sp>
+    </p:spTree>
+    <p:extLst>
+      <p:ext uri="{BB962C8B-B14F-4D97-AF65-F5344CB8AC3E}">
+        <p14:creationId xmlns:p14="http://schemas.microsoft.com/office/powerpoint/2010/main" val="3803711115"/>
+      </p:ext>
+    </p:extLst>
+  </p:cSld>
+  <p:clrMapOvr>
+    <a:masterClrMapping/>
+  </p:clrMapOvr>
+  <p:timing>
+    <p:tnLst>
+      <p:par>
+        <p:cTn id="1" dur="indefinite" restart="never" nodeType="tmRoot">
+          <p:childTnLst>
+            <p:seq concurrent="1" nextAc="seek">
+              <p:cTn id="2" dur="indefinite" nodeType="mainSeq">
+                <p:childTnLst>
+                  <p:par>
+                    <p:cTn id="3" fill="hold">
+                      <p:stCondLst>
+                        <p:cond delay="indefinite"/>
+                      </p:stCondLst>
+                      <p:childTnLst>
+                        <p:par>
+                          <p:cTn id="4" fill="hold">
+                            <p:stCondLst>
+                              <p:cond delay="0"/>
+                            </p:stCondLst>
+                            <p:childTnLst>
+                              <p:par>
+                                <p:cTn id="5" presetID="1" presetClass="entr" presetSubtype="0" fill="hold" grpId="0" nodeType="clickEffect">
+                                  <p:stCondLst>
+                                    <p:cond delay="0"/>
+                                  </p:stCondLst>
+                                  <p:childTnLst>
+                                    <p:set>
+                                      <p:cBhvr>
+                                        <p:cTn id="6" dur="1" fill="hold">
+                                          <p:stCondLst>
+                                            <p:cond delay="0"/>
+                                          </p:stCondLst>
+                                        </p:cTn>
+                                        <p:tgtEl>
+                                          <p:spTgt spid="4"/>
+                                        </p:tgtEl>
+                                        <p:attrNameLst>
+                                          <p:attrName>style.visibility</p:attrName>
+                                        </p:attrNameLst>
+                                      </p:cBhvr>
+                                      <p:to>
+                                        <p:strVal val="visible"/>
+                                      </p:to>
+                                    </p:set>
+                                  </p:childTnLst>
+                                </p:cTn>
+                              </p:par>
+                            </p:childTnLst>
+                          </p:cTn>
+                        </p:par>
+                      </p:childTnLst>
+                    </p:cTn>
+                  </p:par>
+                </p:childTnLst>
+              </p:cTn>
+              <p:prevCondLst>
+                <p:cond evt="onPrev" delay="0">
+                  <p:tgtEl>
+                    <p:sldTgt/>
+                  </p:tgtEl>
+                </p:cond>
+              </p:prevCondLst>
+              <p:nextCondLst>
+                <p:cond evt="onNext" delay="0">
+                  <p:tgtEl>
+                    <p:sldTgt/>
+                  </p:tgtEl>
+                </p:cond>
+              </p:nextCondLst>
+            </p:seq>
+          </p:childTnLst>
+        </p:cTn>
+      </p:par>
+    </p:tnLst>
+    <p:bldLst>
+      <p:bldP spid="4" grpId="0"/>
+    </p:bldLst>
+  </p:timing>
+</p:sld>
+</file>
+
+<file path=ppt/slides/slide13.xml><?xml version="1.0" encoding="utf-8"?>
+<p:sld xmlns:a="http://schemas.openxmlformats.org/drawingml/2006/main" xmlns:r="http://schemas.openxmlformats.org/officeDocument/2006/relationships" xmlns:p="http://schemas.openxmlformats.org/presentationml/2006/main">
+  <p:cSld>
+    <p:spTree>
+      <p:nvGrpSpPr>
+        <p:cNvPr id="1" name=""/>
+        <p:cNvGrpSpPr/>
+        <p:nvPr/>
+      </p:nvGrpSpPr>
+      <p:grpSpPr>
+        <a:xfrm>
+          <a:off x="0" y="0"/>
+          <a:ext cx="0" cy="0"/>
+          <a:chOff x="0" y="0"/>
+          <a:chExt cx="0" cy="0"/>
+        </a:xfrm>
+      </p:grpSpPr>
+      <p:pic>
+        <p:nvPicPr>
+          <p:cNvPr id="3" name="Picture 2">
+            <a:extLst>
+              <a:ext uri="{FF2B5EF4-FFF2-40B4-BE49-F238E27FC236}">
+                <a16:creationId xmlns:a16="http://schemas.microsoft.com/office/drawing/2014/main" id="{DD11B7A3-AAF4-0C4E-A7CC-F4975A02DC07}"/>
+              </a:ext>
+            </a:extLst>
+          </p:cNvPr>
+          <p:cNvPicPr>
+            <a:picLocks noChangeAspect="1"/>
+          </p:cNvPicPr>
+          <p:nvPr/>
+        </p:nvPicPr>
+        <p:blipFill>
+          <a:blip r:embed="rId2"/>
+          <a:stretch>
+            <a:fillRect/>
+          </a:stretch>
+        </p:blipFill>
+        <p:spPr>
+          <a:xfrm>
+            <a:off x="332210" y="1239083"/>
+            <a:ext cx="6498896" cy="5058335"/>
+          </a:xfrm>
+          <a:prstGeom prst="rect">
+            <a:avLst/>
+          </a:prstGeom>
+        </p:spPr>
+      </p:pic>
+      <p:sp>
+        <p:nvSpPr>
+          <p:cNvPr id="2" name="Title 1">
+            <a:extLst>
+              <a:ext uri="{FF2B5EF4-FFF2-40B4-BE49-F238E27FC236}">
+                <a16:creationId xmlns:a16="http://schemas.microsoft.com/office/drawing/2014/main" id="{62EFEAE1-6494-6743-93FA-B10A9913D1F6}"/>
+              </a:ext>
+            </a:extLst>
+          </p:cNvPr>
+          <p:cNvSpPr>
+            <a:spLocks noGrp="1"/>
+          </p:cNvSpPr>
+          <p:nvPr>
+            <p:ph type="title"/>
+          </p:nvPr>
+        </p:nvSpPr>
+        <p:spPr>
+          <a:xfrm>
+            <a:off x="838200" y="149978"/>
+            <a:ext cx="10515600" cy="1325563"/>
+          </a:xfrm>
+        </p:spPr>
+        <p:txBody>
+          <a:bodyPr/>
+          <a:lstStyle/>
+          <a:p>
+            <a:r>
+              <a:rPr lang="en-GB" dirty="0" err="1"/>
+              <a:t>Kortspillet</a:t>
+            </a:r>
+            <a:r>
+              <a:rPr lang="en-GB" dirty="0"/>
+              <a:t> </a:t>
+            </a:r>
+            <a:r>
+              <a:rPr lang="en-GB" dirty="0" err="1"/>
+              <a:t>krig</a:t>
+            </a:r>
+            <a:endParaRPr lang="en-GB" dirty="0"/>
+          </a:p>
+        </p:txBody>
+      </p:sp>
+      <p:sp>
+        <p:nvSpPr>
+          <p:cNvPr id="4" name="TextBox 3">
+            <a:extLst>
+              <a:ext uri="{FF2B5EF4-FFF2-40B4-BE49-F238E27FC236}">
+                <a16:creationId xmlns:a16="http://schemas.microsoft.com/office/drawing/2014/main" id="{EFE58B15-580F-CD43-BA56-53009EAD4475}"/>
+              </a:ext>
+            </a:extLst>
+          </p:cNvPr>
+          <p:cNvSpPr txBox="1"/>
+          <p:nvPr/>
+        </p:nvSpPr>
+        <p:spPr>
+          <a:xfrm>
+            <a:off x="7193128" y="793325"/>
+            <a:ext cx="4666662" cy="6186309"/>
+          </a:xfrm>
+          <a:prstGeom prst="rect">
+            <a:avLst/>
+          </a:prstGeom>
+          <a:noFill/>
+        </p:spPr>
+        <p:txBody>
+          <a:bodyPr wrap="none" rtlCol="0">
+            <a:spAutoFit/>
+          </a:bodyPr>
+          <a:lstStyle/>
+          <a:p>
+            <a:r>
+              <a:rPr lang="da-DK" dirty="0"/>
+              <a:t>type </a:t>
+            </a:r>
+            <a:r>
+              <a:rPr lang="da-DK" dirty="0" err="1"/>
+              <a:t>vaerdi</a:t>
+            </a:r>
+            <a:r>
+              <a:rPr lang="da-DK" dirty="0"/>
+              <a:t>() =</a:t>
+            </a:r>
+          </a:p>
+          <a:p>
+            <a:r>
+              <a:rPr lang="da-DK" dirty="0"/>
+              <a:t>  </a:t>
+            </a:r>
+            <a:r>
+              <a:rPr lang="da-DK" dirty="0" err="1"/>
+              <a:t>class</a:t>
+            </a:r>
+            <a:r>
+              <a:rPr lang="da-DK" dirty="0"/>
+              <a:t> end</a:t>
+            </a:r>
+          </a:p>
+          <a:p>
+            <a:endParaRPr lang="da-DK" dirty="0"/>
+          </a:p>
+          <a:p>
+            <a:r>
+              <a:rPr lang="da-DK" dirty="0"/>
+              <a:t>type kort() =</a:t>
+            </a:r>
+          </a:p>
+          <a:p>
+            <a:r>
+              <a:rPr lang="da-DK" dirty="0"/>
+              <a:t>  let v = </a:t>
+            </a:r>
+            <a:r>
+              <a:rPr lang="da-DK" dirty="0" err="1"/>
+              <a:t>vaerdi</a:t>
+            </a:r>
+            <a:r>
+              <a:rPr lang="da-DK" dirty="0"/>
+              <a:t> ()</a:t>
+            </a:r>
+          </a:p>
+          <a:p>
+            <a:r>
+              <a:rPr lang="da-DK" dirty="0"/>
+              <a:t>  </a:t>
+            </a:r>
+            <a:r>
+              <a:rPr lang="da-DK" dirty="0" err="1"/>
+              <a:t>member</a:t>
+            </a:r>
+            <a:r>
+              <a:rPr lang="da-DK" dirty="0"/>
+              <a:t> </a:t>
+            </a:r>
+            <a:r>
+              <a:rPr lang="da-DK" dirty="0" err="1"/>
+              <a:t>this.sammenlign</a:t>
+            </a:r>
+            <a:r>
+              <a:rPr lang="da-DK" dirty="0"/>
+              <a:t> (</a:t>
+            </a:r>
+            <a:r>
+              <a:rPr lang="da-DK" dirty="0" err="1"/>
+              <a:t>etKort</a:t>
+            </a:r>
+            <a:r>
+              <a:rPr lang="da-DK" dirty="0"/>
+              <a:t> : kort) = false</a:t>
+            </a:r>
+          </a:p>
+          <a:p>
+            <a:endParaRPr lang="da-DK" dirty="0"/>
+          </a:p>
+          <a:p>
+            <a:r>
+              <a:rPr lang="da-DK" dirty="0"/>
+              <a:t>type bunke() =</a:t>
+            </a:r>
+          </a:p>
+          <a:p>
+            <a:r>
+              <a:rPr lang="da-DK" dirty="0"/>
+              <a:t>  let </a:t>
+            </a:r>
+            <a:r>
+              <a:rPr lang="da-DK" dirty="0" err="1"/>
+              <a:t>lst</a:t>
+            </a:r>
+            <a:r>
+              <a:rPr lang="da-DK" dirty="0"/>
+              <a:t> : kort list = []</a:t>
+            </a:r>
+          </a:p>
+          <a:p>
+            <a:r>
+              <a:rPr lang="da-DK" dirty="0"/>
+              <a:t>  </a:t>
+            </a:r>
+            <a:r>
+              <a:rPr lang="da-DK" dirty="0" err="1"/>
+              <a:t>member</a:t>
+            </a:r>
+            <a:r>
+              <a:rPr lang="da-DK" dirty="0"/>
+              <a:t> </a:t>
+            </a:r>
+            <a:r>
+              <a:rPr lang="da-DK" dirty="0" err="1"/>
+              <a:t>this.afgivKort</a:t>
+            </a:r>
+            <a:r>
+              <a:rPr lang="da-DK" dirty="0"/>
+              <a:t> () = kort()</a:t>
+            </a:r>
+          </a:p>
+          <a:p>
+            <a:r>
+              <a:rPr lang="da-DK" dirty="0"/>
+              <a:t>  </a:t>
+            </a:r>
+            <a:r>
+              <a:rPr lang="da-DK" dirty="0" err="1"/>
+              <a:t>member</a:t>
+            </a:r>
+            <a:r>
+              <a:rPr lang="da-DK" dirty="0"/>
+              <a:t> </a:t>
+            </a:r>
+            <a:r>
+              <a:rPr lang="da-DK" dirty="0" err="1"/>
+              <a:t>this.modtagKort</a:t>
+            </a:r>
+            <a:r>
+              <a:rPr lang="da-DK" dirty="0"/>
+              <a:t> (</a:t>
+            </a:r>
+            <a:r>
+              <a:rPr lang="da-DK" dirty="0" err="1"/>
+              <a:t>etKort</a:t>
+            </a:r>
+            <a:r>
+              <a:rPr lang="da-DK" dirty="0"/>
+              <a:t> : kort) = ()</a:t>
+            </a:r>
+          </a:p>
+          <a:p>
+            <a:endParaRPr lang="da-DK" dirty="0"/>
+          </a:p>
+          <a:p>
+            <a:r>
+              <a:rPr lang="da-DK" dirty="0"/>
+              <a:t>type spiller() =</a:t>
+            </a:r>
+          </a:p>
+          <a:p>
+            <a:r>
+              <a:rPr lang="da-DK" dirty="0"/>
+              <a:t>  let stak = bunke()</a:t>
+            </a:r>
+          </a:p>
+          <a:p>
+            <a:r>
+              <a:rPr lang="da-DK" dirty="0"/>
+              <a:t>  </a:t>
+            </a:r>
+            <a:r>
+              <a:rPr lang="da-DK" dirty="0" err="1"/>
+              <a:t>member</a:t>
+            </a:r>
+            <a:r>
+              <a:rPr lang="da-DK" dirty="0"/>
+              <a:t> </a:t>
+            </a:r>
+            <a:r>
+              <a:rPr lang="da-DK" dirty="0" err="1"/>
+              <a:t>this.afgivKort</a:t>
+            </a:r>
+            <a:r>
+              <a:rPr lang="da-DK" dirty="0"/>
+              <a:t> () = kort()</a:t>
+            </a:r>
+          </a:p>
+          <a:p>
+            <a:r>
+              <a:rPr lang="da-DK" dirty="0"/>
+              <a:t>  </a:t>
+            </a:r>
+            <a:r>
+              <a:rPr lang="da-DK" dirty="0" err="1"/>
+              <a:t>member</a:t>
+            </a:r>
+            <a:r>
+              <a:rPr lang="da-DK" dirty="0"/>
+              <a:t> </a:t>
+            </a:r>
+            <a:r>
+              <a:rPr lang="da-DK" dirty="0" err="1"/>
+              <a:t>this.modtagKort</a:t>
+            </a:r>
+            <a:r>
+              <a:rPr lang="da-DK" dirty="0"/>
+              <a:t> (</a:t>
+            </a:r>
+            <a:r>
+              <a:rPr lang="da-DK" dirty="0" err="1"/>
+              <a:t>etKort</a:t>
+            </a:r>
+            <a:r>
+              <a:rPr lang="da-DK" dirty="0"/>
+              <a:t> : kort) = ()</a:t>
+            </a:r>
+          </a:p>
+          <a:p>
+            <a:endParaRPr lang="da-DK" dirty="0"/>
+          </a:p>
+          <a:p>
+            <a:r>
+              <a:rPr lang="da-DK" dirty="0"/>
+              <a:t>type bord() =</a:t>
+            </a:r>
+          </a:p>
+          <a:p>
+            <a:r>
+              <a:rPr lang="da-DK" dirty="0"/>
+              <a:t>  let deltagere : spiller list = []</a:t>
+            </a:r>
+          </a:p>
+          <a:p>
+            <a:r>
+              <a:rPr lang="da-DK" dirty="0"/>
+              <a:t>  </a:t>
+            </a:r>
+            <a:r>
+              <a:rPr lang="da-DK" dirty="0" err="1"/>
+              <a:t>member</a:t>
+            </a:r>
+            <a:r>
+              <a:rPr lang="da-DK" dirty="0"/>
+              <a:t> </a:t>
+            </a:r>
+            <a:r>
+              <a:rPr lang="da-DK" dirty="0" err="1"/>
+              <a:t>this.uddelKort</a:t>
+            </a:r>
+            <a:r>
+              <a:rPr lang="da-DK" dirty="0"/>
+              <a:t> () : unit = ()</a:t>
+            </a:r>
+          </a:p>
+          <a:p>
+            <a:r>
+              <a:rPr lang="da-DK" dirty="0"/>
+              <a:t>  </a:t>
+            </a:r>
+            <a:r>
+              <a:rPr lang="da-DK" dirty="0" err="1"/>
+              <a:t>member</a:t>
+            </a:r>
+            <a:r>
+              <a:rPr lang="da-DK" dirty="0"/>
+              <a:t> </a:t>
+            </a:r>
+            <a:r>
+              <a:rPr lang="da-DK" dirty="0" err="1"/>
+              <a:t>this.spilOmgang</a:t>
+            </a:r>
+            <a:r>
+              <a:rPr lang="da-DK" dirty="0"/>
+              <a:t> () = false</a:t>
+            </a:r>
+          </a:p>
+          <a:p>
+            <a:endParaRPr lang="da-DK" dirty="0"/>
+          </a:p>
+        </p:txBody>
+      </p:sp>
+    </p:spTree>
+    <p:extLst>
+      <p:ext uri="{BB962C8B-B14F-4D97-AF65-F5344CB8AC3E}">
+        <p14:creationId xmlns:p14="http://schemas.microsoft.com/office/powerpoint/2010/main" val="13577696"/>
+      </p:ext>
+    </p:extLst>
+  </p:cSld>
+  <p:clrMapOvr>
+    <a:masterClrMapping/>
+  </p:clrMapOvr>
+</p:sld>
+</file>
+
+<file path=ppt/slides/slide14.xml><?xml version="1.0" encoding="utf-8"?>
+<p:sld xmlns:a="http://schemas.openxmlformats.org/drawingml/2006/main" xmlns:r="http://schemas.openxmlformats.org/officeDocument/2006/relationships" xmlns:p="http://schemas.openxmlformats.org/presentationml/2006/main">
+  <p:cSld>
+    <p:spTree>
+      <p:nvGrpSpPr>
+        <p:cNvPr id="1" name=""/>
+        <p:cNvGrpSpPr/>
+        <p:nvPr/>
+      </p:nvGrpSpPr>
+      <p:grpSpPr>
+        <a:xfrm>
+          <a:off x="0" y="0"/>
+          <a:ext cx="0" cy="0"/>
+          <a:chOff x="0" y="0"/>
+          <a:chExt cx="0" cy="0"/>
+        </a:xfrm>
+      </p:grpSpPr>
+      <p:pic>
+        <p:nvPicPr>
+          <p:cNvPr id="3" name="Picture 2">
+            <a:extLst>
+              <a:ext uri="{FF2B5EF4-FFF2-40B4-BE49-F238E27FC236}">
+                <a16:creationId xmlns:a16="http://schemas.microsoft.com/office/drawing/2014/main" id="{DD11B7A3-AAF4-0C4E-A7CC-F4975A02DC07}"/>
+              </a:ext>
+            </a:extLst>
+          </p:cNvPr>
+          <p:cNvPicPr>
+            <a:picLocks noChangeAspect="1"/>
+          </p:cNvPicPr>
+          <p:nvPr/>
+        </p:nvPicPr>
+        <p:blipFill>
+          <a:blip r:embed="rId2"/>
+          <a:stretch>
+            <a:fillRect/>
+          </a:stretch>
+        </p:blipFill>
+        <p:spPr>
+          <a:xfrm>
+            <a:off x="332210" y="1239083"/>
+            <a:ext cx="6498896" cy="5058335"/>
+          </a:xfrm>
+          <a:prstGeom prst="rect">
+            <a:avLst/>
+          </a:prstGeom>
+        </p:spPr>
+      </p:pic>
+      <p:sp>
+        <p:nvSpPr>
+          <p:cNvPr id="2" name="Title 1">
+            <a:extLst>
+              <a:ext uri="{FF2B5EF4-FFF2-40B4-BE49-F238E27FC236}">
+                <a16:creationId xmlns:a16="http://schemas.microsoft.com/office/drawing/2014/main" id="{62EFEAE1-6494-6743-93FA-B10A9913D1F6}"/>
+              </a:ext>
+            </a:extLst>
+          </p:cNvPr>
+          <p:cNvSpPr>
+            <a:spLocks noGrp="1"/>
+          </p:cNvSpPr>
+          <p:nvPr>
+            <p:ph type="title"/>
+          </p:nvPr>
+        </p:nvSpPr>
+        <p:spPr>
+          <a:xfrm>
+            <a:off x="838200" y="149978"/>
+            <a:ext cx="10515600" cy="1325563"/>
+          </a:xfrm>
+        </p:spPr>
+        <p:txBody>
+          <a:bodyPr/>
+          <a:lstStyle/>
+          <a:p>
+            <a:r>
+              <a:rPr lang="en-GB" dirty="0" err="1"/>
+              <a:t>Kortspillet</a:t>
+            </a:r>
+            <a:r>
+              <a:rPr lang="en-GB" dirty="0"/>
+              <a:t> </a:t>
+            </a:r>
+            <a:r>
+              <a:rPr lang="en-GB" dirty="0" err="1"/>
+              <a:t>krig</a:t>
+            </a:r>
+            <a:endParaRPr lang="en-GB" dirty="0"/>
+          </a:p>
+        </p:txBody>
+      </p:sp>
+      <p:sp>
+        <p:nvSpPr>
+          <p:cNvPr id="4" name="TextBox 3">
+            <a:extLst>
+              <a:ext uri="{FF2B5EF4-FFF2-40B4-BE49-F238E27FC236}">
+                <a16:creationId xmlns:a16="http://schemas.microsoft.com/office/drawing/2014/main" id="{EFE58B15-580F-CD43-BA56-53009EAD4475}"/>
+              </a:ext>
+            </a:extLst>
+          </p:cNvPr>
+          <p:cNvSpPr txBox="1"/>
+          <p:nvPr/>
+        </p:nvSpPr>
+        <p:spPr>
+          <a:xfrm>
+            <a:off x="7834480" y="449947"/>
+            <a:ext cx="4346767" cy="5355312"/>
+          </a:xfrm>
+          <a:prstGeom prst="rect">
+            <a:avLst/>
+          </a:prstGeom>
+          <a:noFill/>
+        </p:spPr>
+        <p:txBody>
+          <a:bodyPr wrap="none" rtlCol="0">
+            <a:spAutoFit/>
+          </a:bodyPr>
+          <a:lstStyle/>
+          <a:p>
+            <a:r>
+              <a:rPr lang="da-DK" dirty="0"/>
+              <a:t>type </a:t>
+            </a:r>
+            <a:r>
+              <a:rPr lang="da-DK" dirty="0" err="1"/>
+              <a:t>vaerdi</a:t>
+            </a:r>
+            <a:r>
+              <a:rPr lang="da-DK" dirty="0"/>
+              <a:t>() = …</a:t>
+            </a:r>
+          </a:p>
+          <a:p>
+            <a:endParaRPr lang="da-DK" dirty="0"/>
+          </a:p>
+          <a:p>
+            <a:r>
+              <a:rPr lang="da-DK" dirty="0"/>
+              <a:t>type kort() = …</a:t>
+            </a:r>
+          </a:p>
+          <a:p>
+            <a:endParaRPr lang="da-DK" dirty="0"/>
+          </a:p>
+          <a:p>
+            <a:r>
+              <a:rPr lang="da-DK" dirty="0"/>
+              <a:t>type bunke() =</a:t>
+            </a:r>
+          </a:p>
+          <a:p>
+            <a:r>
+              <a:rPr lang="da-DK" dirty="0"/>
+              <a:t>  let </a:t>
+            </a:r>
+            <a:r>
+              <a:rPr lang="da-DK" dirty="0" err="1"/>
+              <a:t>lst</a:t>
+            </a:r>
+            <a:r>
+              <a:rPr lang="da-DK" dirty="0"/>
+              <a:t> : kort list = []</a:t>
+            </a:r>
+          </a:p>
+          <a:p>
+            <a:r>
+              <a:rPr lang="da-DK" dirty="0"/>
+              <a:t>  </a:t>
+            </a:r>
+            <a:r>
+              <a:rPr lang="da-DK" dirty="0" err="1"/>
+              <a:t>member</a:t>
+            </a:r>
+            <a:r>
+              <a:rPr lang="da-DK" dirty="0"/>
+              <a:t> </a:t>
+            </a:r>
+            <a:r>
+              <a:rPr lang="da-DK" dirty="0" err="1"/>
+              <a:t>this.afgivKort</a:t>
+            </a:r>
+            <a:r>
+              <a:rPr lang="da-DK" dirty="0"/>
+              <a:t> () = kort()</a:t>
+            </a:r>
+          </a:p>
+          <a:p>
+            <a:r>
+              <a:rPr lang="da-DK" dirty="0"/>
+              <a:t>  </a:t>
+            </a:r>
+            <a:r>
+              <a:rPr lang="da-DK" dirty="0" err="1"/>
+              <a:t>member</a:t>
+            </a:r>
+            <a:r>
+              <a:rPr lang="da-DK" dirty="0"/>
+              <a:t> </a:t>
+            </a:r>
+            <a:r>
+              <a:rPr lang="da-DK" dirty="0" err="1"/>
+              <a:t>this.modtagKort</a:t>
+            </a:r>
+            <a:r>
+              <a:rPr lang="da-DK" dirty="0"/>
+              <a:t> (</a:t>
+            </a:r>
+            <a:r>
+              <a:rPr lang="da-DK" dirty="0" err="1"/>
+              <a:t>etKort</a:t>
+            </a:r>
+            <a:r>
+              <a:rPr lang="da-DK" dirty="0"/>
+              <a:t> : kort) = ()</a:t>
+            </a:r>
+          </a:p>
+          <a:p>
+            <a:endParaRPr lang="da-DK" dirty="0"/>
+          </a:p>
+          <a:p>
+            <a:r>
+              <a:rPr lang="da-DK" dirty="0"/>
+              <a:t>type spiller() = …</a:t>
+            </a:r>
+          </a:p>
+          <a:p>
+            <a:endParaRPr lang="da-DK" dirty="0"/>
+          </a:p>
+          <a:p>
+            <a:r>
+              <a:rPr lang="da-DK" dirty="0"/>
+              <a:t>type bord() = …</a:t>
+            </a:r>
+          </a:p>
+          <a:p>
+            <a:endParaRPr lang="da-DK" dirty="0"/>
+          </a:p>
+          <a:p>
+            <a:r>
+              <a:rPr lang="da-DK" dirty="0"/>
+              <a:t>// Main loop</a:t>
+            </a:r>
+          </a:p>
+          <a:p>
+            <a:r>
+              <a:rPr lang="da-DK" dirty="0"/>
+              <a:t>let b = bord()</a:t>
+            </a:r>
+          </a:p>
+          <a:p>
+            <a:r>
+              <a:rPr lang="da-DK" dirty="0"/>
+              <a:t>let mutable i = 0</a:t>
+            </a:r>
+          </a:p>
+          <a:p>
+            <a:r>
+              <a:rPr lang="da-DK" dirty="0" err="1"/>
+              <a:t>while</a:t>
+            </a:r>
+            <a:r>
+              <a:rPr lang="da-DK" dirty="0"/>
+              <a:t> </a:t>
+            </a:r>
+            <a:r>
+              <a:rPr lang="da-DK" dirty="0" err="1"/>
+              <a:t>b.spilOmgang</a:t>
+            </a:r>
+            <a:r>
+              <a:rPr lang="da-DK" dirty="0"/>
+              <a:t> () do</a:t>
+            </a:r>
+          </a:p>
+          <a:p>
+            <a:r>
+              <a:rPr lang="da-DK" dirty="0"/>
+              <a:t>  i &lt;- i + 1;</a:t>
+            </a:r>
+          </a:p>
+          <a:p>
+            <a:r>
+              <a:rPr lang="da-DK" dirty="0"/>
+              <a:t>  </a:t>
+            </a:r>
+            <a:r>
+              <a:rPr lang="da-DK" dirty="0" err="1"/>
+              <a:t>printfn</a:t>
+            </a:r>
+            <a:r>
+              <a:rPr lang="da-DK" dirty="0"/>
+              <a:t> "Omgang %d" i</a:t>
+            </a:r>
+          </a:p>
+        </p:txBody>
+      </p:sp>
+      <p:sp>
+        <p:nvSpPr>
+          <p:cNvPr id="5" name="TextBox 4">
+            <a:extLst>
+              <a:ext uri="{FF2B5EF4-FFF2-40B4-BE49-F238E27FC236}">
+                <a16:creationId xmlns:a16="http://schemas.microsoft.com/office/drawing/2014/main" id="{21CA9A11-1772-DB4A-8B46-D84ECCDD5BF3}"/>
+              </a:ext>
+            </a:extLst>
+          </p:cNvPr>
+          <p:cNvSpPr txBox="1"/>
+          <p:nvPr/>
+        </p:nvSpPr>
+        <p:spPr>
+          <a:xfrm>
+            <a:off x="7834480" y="6223387"/>
+            <a:ext cx="3033779" cy="369332"/>
+          </a:xfrm>
+          <a:prstGeom prst="rect">
+            <a:avLst/>
+          </a:prstGeom>
+          <a:noFill/>
+        </p:spPr>
+        <p:txBody>
+          <a:bodyPr wrap="none" rtlCol="0">
+            <a:spAutoFit/>
+          </a:bodyPr>
+          <a:lstStyle/>
+          <a:p>
+            <a:r>
+              <a:rPr lang="en-GB" dirty="0" err="1"/>
+              <a:t>Hvad</a:t>
+            </a:r>
+            <a:r>
+              <a:rPr lang="en-GB" dirty="0"/>
+              <a:t> </a:t>
+            </a:r>
+            <a:r>
+              <a:rPr lang="en-GB" dirty="0" err="1"/>
+              <a:t>er</a:t>
+            </a:r>
+            <a:r>
+              <a:rPr lang="en-GB" dirty="0"/>
+              <a:t> </a:t>
+            </a:r>
+            <a:r>
+              <a:rPr lang="en-GB" dirty="0" err="1"/>
+              <a:t>godt</a:t>
+            </a:r>
+            <a:r>
+              <a:rPr lang="en-GB" dirty="0"/>
+              <a:t> </a:t>
+            </a:r>
+            <a:r>
+              <a:rPr lang="en-GB" dirty="0" err="1"/>
+              <a:t>og</a:t>
+            </a:r>
+            <a:r>
+              <a:rPr lang="en-GB" dirty="0"/>
+              <a:t> </a:t>
+            </a:r>
+            <a:r>
+              <a:rPr lang="en-GB" dirty="0" err="1"/>
+              <a:t>hvad</a:t>
+            </a:r>
+            <a:r>
+              <a:rPr lang="en-GB" dirty="0"/>
+              <a:t> </a:t>
+            </a:r>
+            <a:r>
+              <a:rPr lang="en-GB" dirty="0" err="1"/>
+              <a:t>er</a:t>
+            </a:r>
+            <a:r>
+              <a:rPr lang="en-GB" dirty="0"/>
+              <a:t> </a:t>
+            </a:r>
+            <a:r>
+              <a:rPr lang="en-GB" dirty="0" err="1"/>
+              <a:t>skidt</a:t>
+            </a:r>
+            <a:r>
+              <a:rPr lang="en-GB" dirty="0"/>
+              <a:t>?</a:t>
+            </a:r>
+          </a:p>
+        </p:txBody>
+      </p:sp>
+    </p:spTree>
+    <p:extLst>
+      <p:ext uri="{BB962C8B-B14F-4D97-AF65-F5344CB8AC3E}">
+        <p14:creationId xmlns:p14="http://schemas.microsoft.com/office/powerpoint/2010/main" val="4155636755"/>
+      </p:ext>
+    </p:extLst>
+  </p:cSld>
+  <p:clrMapOvr>
+    <a:masterClrMapping/>
+  </p:clrMapOvr>
+  <p:timing>
+    <p:tnLst>
+      <p:par>
+        <p:cTn id="1" dur="indefinite" restart="never" nodeType="tmRoot">
+          <p:childTnLst>
+            <p:seq concurrent="1" nextAc="seek">
+              <p:cTn id="2" dur="indefinite" nodeType="mainSeq">
+                <p:childTnLst>
+                  <p:par>
+                    <p:cTn id="3" fill="hold">
+                      <p:stCondLst>
+                        <p:cond delay="indefinite"/>
+                      </p:stCondLst>
+                      <p:childTnLst>
+                        <p:par>
+                          <p:cTn id="4" fill="hold">
+                            <p:stCondLst>
+                              <p:cond delay="0"/>
+                            </p:stCondLst>
+                            <p:childTnLst>
+                              <p:par>
+                                <p:cTn id="5" presetID="1" presetClass="entr" presetSubtype="0" fill="hold" grpId="0" nodeType="clickEffect">
+                                  <p:stCondLst>
+                                    <p:cond delay="0"/>
+                                  </p:stCondLst>
+                                  <p:childTnLst>
+                                    <p:set>
+                                      <p:cBhvr>
+                                        <p:cTn id="6" dur="1" fill="hold">
+                                          <p:stCondLst>
+                                            <p:cond delay="0"/>
+                                          </p:stCondLst>
+                                        </p:cTn>
+                                        <p:tgtEl>
+                                          <p:spTgt spid="5"/>
+                                        </p:tgtEl>
+                                        <p:attrNameLst>
+                                          <p:attrName>style.visibility</p:attrName>
+                                        </p:attrNameLst>
+                                      </p:cBhvr>
+                                      <p:to>
+                                        <p:strVal val="visible"/>
+                                      </p:to>
+                                    </p:set>
+                                  </p:childTnLst>
+                                </p:cTn>
+                              </p:par>
+                            </p:childTnLst>
+                          </p:cTn>
+                        </p:par>
+                      </p:childTnLst>
+                    </p:cTn>
+                  </p:par>
+                </p:childTnLst>
+              </p:cTn>
+              <p:prevCondLst>
+                <p:cond evt="onPrev" delay="0">
+                  <p:tgtEl>
+                    <p:sldTgt/>
+                  </p:tgtEl>
+                </p:cond>
+              </p:prevCondLst>
+              <p:nextCondLst>
+                <p:cond evt="onNext" delay="0">
+                  <p:tgtEl>
+                    <p:sldTgt/>
+                  </p:tgtEl>
+                </p:cond>
+              </p:nextCondLst>
+            </p:seq>
+          </p:childTnLst>
+        </p:cTn>
+      </p:par>
+    </p:tnLst>
+    <p:bldLst>
+      <p:bldP spid="5" grpId="0"/>
+    </p:bldLst>
+  </p:timing>
+</p:sld>
+</file>
+
+<file path=ppt/slides/slide2.xml><?xml version="1.0" encoding="utf-8"?>
 <p:sld xmlns:a="http://schemas.openxmlformats.org/drawingml/2006/main" xmlns:r="http://schemas.openxmlformats.org/officeDocument/2006/relationships" xmlns:p="http://schemas.openxmlformats.org/presentationml/2006/main">
   <p:cSld>
     <p:spTree>
@@ -4213,7 +6235,7 @@
 </p:sld>
 </file>
 
-<file path=ppt/slides/slide13.xml><?xml version="1.0" encoding="utf-8"?>
+<file path=ppt/slides/slide3.xml><?xml version="1.0" encoding="utf-8"?>
 <p:sld xmlns:a="http://schemas.openxmlformats.org/drawingml/2006/main" xmlns:r="http://schemas.openxmlformats.org/officeDocument/2006/relationships" xmlns:p="http://schemas.openxmlformats.org/presentationml/2006/main">
   <p:cSld>
     <p:spTree>
@@ -4483,7 +6505,7 @@
 </p:sld>
 </file>
 
-<file path=ppt/slides/slide14.xml><?xml version="1.0" encoding="utf-8"?>
+<file path=ppt/slides/slide4.xml><?xml version="1.0" encoding="utf-8"?>
 <p:sld xmlns:a="http://schemas.openxmlformats.org/drawingml/2006/main" xmlns:r="http://schemas.openxmlformats.org/officeDocument/2006/relationships" xmlns:p="http://schemas.openxmlformats.org/presentationml/2006/main">
   <p:cSld>
     <p:spTree>
@@ -4849,7 +6871,7 @@
 </p:sld>
 </file>
 
-<file path=ppt/slides/slide15.xml><?xml version="1.0" encoding="utf-8"?>
+<file path=ppt/slides/slide5.xml><?xml version="1.0" encoding="utf-8"?>
 <p:sld xmlns:a="http://schemas.openxmlformats.org/drawingml/2006/main" xmlns:r="http://schemas.openxmlformats.org/officeDocument/2006/relationships" xmlns:p="http://schemas.openxmlformats.org/presentationml/2006/main">
   <p:cSld>
     <p:spTree>
@@ -5583,7 +7605,7 @@
 </p:sld>
 </file>
 
-<file path=ppt/slides/slide16.xml><?xml version="1.0" encoding="utf-8"?>
+<file path=ppt/slides/slide6.xml><?xml version="1.0" encoding="utf-8"?>
 <p:sld xmlns:a="http://schemas.openxmlformats.org/drawingml/2006/main" xmlns:r="http://schemas.openxmlformats.org/officeDocument/2006/relationships" xmlns:p="http://schemas.openxmlformats.org/presentationml/2006/main">
   <p:cSld>
     <p:spTree>
@@ -6109,7 +8131,7 @@
 </p:sld>
 </file>
 
-<file path=ppt/slides/slide17.xml><?xml version="1.0" encoding="utf-8"?>
+<file path=ppt/slides/slide7.xml><?xml version="1.0" encoding="utf-8"?>
 <p:sld xmlns:a="http://schemas.openxmlformats.org/drawingml/2006/main" xmlns:r="http://schemas.openxmlformats.org/officeDocument/2006/relationships" xmlns:p="http://schemas.openxmlformats.org/presentationml/2006/main">
   <p:cSld>
     <p:spTree>
@@ -6635,7 +8657,7 @@
 </p:sld>
 </file>
 
-<file path=ppt/slides/slide18.xml><?xml version="1.0" encoding="utf-8"?>
+<file path=ppt/slides/slide8.xml><?xml version="1.0" encoding="utf-8"?>
 <p:sld xmlns:a="http://schemas.openxmlformats.org/drawingml/2006/main" xmlns:r="http://schemas.openxmlformats.org/officeDocument/2006/relationships" xmlns:p="http://schemas.openxmlformats.org/presentationml/2006/main">
   <p:cSld>
     <p:spTree>
@@ -7161,7 +9183,7 @@
 </p:sld>
 </file>
 
-<file path=ppt/slides/slide19.xml><?xml version="1.0" encoding="utf-8"?>
+<file path=ppt/slides/slide9.xml><?xml version="1.0" encoding="utf-8"?>
 <p:sld xmlns:a="http://schemas.openxmlformats.org/drawingml/2006/main" xmlns:r="http://schemas.openxmlformats.org/officeDocument/2006/relationships" xmlns:p="http://schemas.openxmlformats.org/presentationml/2006/main">
   <p:cSld>
     <p:spTree>
@@ -7220,36 +9242,6 @@
           </a:p>
         </p:txBody>
       </p:sp>
-      <p:pic>
-        <p:nvPicPr>
-          <p:cNvPr id="5" name="Picture 4">
-            <a:extLst>
-              <a:ext uri="{FF2B5EF4-FFF2-40B4-BE49-F238E27FC236}">
-                <a16:creationId xmlns:a16="http://schemas.microsoft.com/office/drawing/2014/main" id="{48E8F7EF-1849-1F4F-A33D-0C839C87B540}"/>
-              </a:ext>
-            </a:extLst>
-          </p:cNvPr>
-          <p:cNvPicPr>
-            <a:picLocks noChangeAspect="1"/>
-          </p:cNvPicPr>
-          <p:nvPr/>
-        </p:nvPicPr>
-        <p:blipFill>
-          <a:blip r:embed="rId2"/>
-          <a:stretch>
-            <a:fillRect/>
-          </a:stretch>
-        </p:blipFill>
-        <p:spPr>
-          <a:xfrm>
-            <a:off x="8264906" y="1027907"/>
-            <a:ext cx="3088894" cy="5464966"/>
-          </a:xfrm>
-          <a:prstGeom prst="rect">
-            <a:avLst/>
-          </a:prstGeom>
-        </p:spPr>
-      </p:pic>
       <p:sp>
         <p:nvSpPr>
           <p:cNvPr id="6" name="Content Placeholder 2">
@@ -7674,162 +9666,12 @@
           </a:p>
         </p:txBody>
       </p:sp>
-    </p:spTree>
-    <p:extLst>
-      <p:ext uri="{BB962C8B-B14F-4D97-AF65-F5344CB8AC3E}">
-        <p14:creationId xmlns:p14="http://schemas.microsoft.com/office/powerpoint/2010/main" val="1783526341"/>
-      </p:ext>
-    </p:extLst>
-  </p:cSld>
-  <p:clrMapOvr>
-    <a:masterClrMapping/>
-  </p:clrMapOvr>
-</p:sld>
-</file>
-
-<file path=ppt/slides/slide2.xml><?xml version="1.0" encoding="utf-8"?>
-<p:sld xmlns:a="http://schemas.openxmlformats.org/drawingml/2006/main" xmlns:r="http://schemas.openxmlformats.org/officeDocument/2006/relationships" xmlns:p="http://schemas.openxmlformats.org/presentationml/2006/main">
-  <p:cSld>
-    <p:bg>
-      <p:bgPr>
-        <a:solidFill>
-          <a:schemeClr val="bg1"/>
-        </a:solidFill>
-        <a:effectLst/>
-      </p:bgPr>
-    </p:bg>
-    <p:spTree>
-      <p:nvGrpSpPr>
-        <p:cNvPr id="1" name=""/>
-        <p:cNvGrpSpPr/>
-        <p:nvPr/>
-      </p:nvGrpSpPr>
-      <p:grpSpPr>
-        <a:xfrm>
-          <a:off x="0" y="0"/>
-          <a:ext cx="0" cy="0"/>
-          <a:chOff x="0" y="0"/>
-          <a:chExt cx="0" cy="0"/>
-        </a:xfrm>
-      </p:grpSpPr>
-      <p:sp>
-        <p:nvSpPr>
-          <p:cNvPr id="2" name="Title 1">
+      <p:pic>
+        <p:nvPicPr>
+          <p:cNvPr id="3" name="Picture 2">
             <a:extLst>
               <a:ext uri="{FF2B5EF4-FFF2-40B4-BE49-F238E27FC236}">
-                <a16:creationId xmlns:a16="http://schemas.microsoft.com/office/drawing/2014/main" id="{6B7B5506-8EDB-D847-8FE9-3643EB4D4F62}"/>
-              </a:ext>
-            </a:extLst>
-          </p:cNvPr>
-          <p:cNvSpPr>
-            <a:spLocks noGrp="1"/>
-          </p:cNvSpPr>
-          <p:nvPr>
-            <p:ph type="title"/>
-          </p:nvPr>
-        </p:nvSpPr>
-        <p:spPr>
-          <a:xfrm>
-            <a:off x="394854" y="-63044"/>
-            <a:ext cx="9860769" cy="905743"/>
-          </a:xfrm>
-        </p:spPr>
-        <p:txBody>
-          <a:bodyPr>
-            <a:normAutofit/>
-          </a:bodyPr>
-          <a:lstStyle/>
-          <a:p>
-            <a:r>
-              <a:rPr lang="da-DK" dirty="0"/>
-              <a:t>UML = </a:t>
-            </a:r>
-            <a:r>
-              <a:rPr lang="da-DK" dirty="0" err="1"/>
-              <a:t>Unified</a:t>
-            </a:r>
-            <a:r>
-              <a:rPr lang="da-DK" dirty="0"/>
-              <a:t> </a:t>
-            </a:r>
-            <a:r>
-              <a:rPr lang="da-DK" dirty="0" err="1"/>
-              <a:t>Modelling</a:t>
-            </a:r>
-            <a:r>
-              <a:rPr lang="da-DK" dirty="0"/>
-              <a:t> Language</a:t>
-            </a:r>
-          </a:p>
-        </p:txBody>
-      </p:sp>
-      <p:sp>
-        <p:nvSpPr>
-          <p:cNvPr id="5" name="Content Placeholder 4">
-            <a:extLst>
-              <a:ext uri="{FF2B5EF4-FFF2-40B4-BE49-F238E27FC236}">
-                <a16:creationId xmlns:a16="http://schemas.microsoft.com/office/drawing/2014/main" id="{92BC9DF3-A597-4D4D-8FD3-DA5EDC4F42C0}"/>
-              </a:ext>
-            </a:extLst>
-          </p:cNvPr>
-          <p:cNvSpPr>
-            <a:spLocks noGrp="1"/>
-          </p:cNvSpPr>
-          <p:nvPr>
-            <p:ph idx="1"/>
-          </p:nvPr>
-        </p:nvSpPr>
-        <p:spPr>
-          <a:xfrm>
-            <a:off x="551329" y="860815"/>
-            <a:ext cx="4522694" cy="612775"/>
-          </a:xfrm>
-        </p:spPr>
-        <p:txBody>
-          <a:bodyPr/>
-          <a:lstStyle/>
-          <a:p>
-            <a:pPr marL="0" indent="0">
-              <a:buNone/>
-            </a:pPr>
-            <a:r>
-              <a:rPr lang="en-GB" dirty="0" err="1"/>
-              <a:t>Opgave</a:t>
-            </a:r>
-            <a:r>
-              <a:rPr lang="en-GB" dirty="0"/>
-              <a:t> 10g: </a:t>
-            </a:r>
-            <a:r>
-              <a:rPr lang="en-GB" dirty="0" err="1"/>
-              <a:t>Ulve</a:t>
-            </a:r>
-            <a:r>
-              <a:rPr lang="en-GB" dirty="0"/>
-              <a:t> </a:t>
-            </a:r>
-            <a:r>
-              <a:rPr lang="en-GB" dirty="0" err="1"/>
-              <a:t>og</a:t>
-            </a:r>
-            <a:r>
-              <a:rPr lang="en-GB" dirty="0"/>
-              <a:t> </a:t>
-            </a:r>
-            <a:r>
-              <a:rPr lang="en-GB" dirty="0" err="1"/>
-              <a:t>elge</a:t>
-            </a:r>
-            <a:endParaRPr lang="en-GB" dirty="0"/>
-          </a:p>
-        </p:txBody>
-      </p:sp>
-      <p:pic>
-        <p:nvPicPr>
-          <p:cNvPr id="20" name="Picture 19">
-            <a:extLst>
-              <a:ext uri="{FF2B5EF4-FFF2-40B4-BE49-F238E27FC236}">
-                <a16:creationId xmlns:a16="http://schemas.microsoft.com/office/drawing/2014/main" id="{C2F9991E-AB85-0948-829C-00E80C4586EE}"/>
+                <a16:creationId xmlns:a16="http://schemas.microsoft.com/office/drawing/2014/main" id="{A65B4D46-1556-184F-9DB4-D88892728F50}"/>
               </a:ext>
             </a:extLst>
           </p:cNvPr>
@@ -7846,1806 +9688,8 @@
         </p:blipFill>
         <p:spPr>
           <a:xfrm>
-            <a:off x="0" y="1536052"/>
-            <a:ext cx="5938520" cy="2489200"/>
-          </a:xfrm>
-          <a:prstGeom prst="rect">
-            <a:avLst/>
-          </a:prstGeom>
-          <a:ln>
-            <a:solidFill>
-              <a:schemeClr val="accent1"/>
-            </a:solidFill>
-          </a:ln>
-        </p:spPr>
-      </p:pic>
-      <p:pic>
-        <p:nvPicPr>
-          <p:cNvPr id="22" name="Picture 21">
-            <a:extLst>
-              <a:ext uri="{FF2B5EF4-FFF2-40B4-BE49-F238E27FC236}">
-                <a16:creationId xmlns:a16="http://schemas.microsoft.com/office/drawing/2014/main" id="{B9C355E6-7222-E14A-9A8D-F3C7ACAEE66A}"/>
-              </a:ext>
-            </a:extLst>
-          </p:cNvPr>
-          <p:cNvPicPr>
-            <a:picLocks noChangeAspect="1"/>
-          </p:cNvPicPr>
-          <p:nvPr/>
-        </p:nvPicPr>
-        <p:blipFill>
-          <a:blip r:embed="rId3"/>
-          <a:stretch>
-            <a:fillRect/>
-          </a:stretch>
-        </p:blipFill>
-        <p:spPr>
-          <a:xfrm>
-            <a:off x="6308986" y="1536052"/>
-            <a:ext cx="5885180" cy="2435860"/>
-          </a:xfrm>
-          <a:prstGeom prst="rect">
-            <a:avLst/>
-          </a:prstGeom>
-          <a:ln>
-            <a:solidFill>
-              <a:schemeClr val="accent1"/>
-            </a:solidFill>
-          </a:ln>
-        </p:spPr>
-      </p:pic>
-      <p:pic>
-        <p:nvPicPr>
-          <p:cNvPr id="23" name="Picture 22">
-            <a:extLst>
-              <a:ext uri="{FF2B5EF4-FFF2-40B4-BE49-F238E27FC236}">
-                <a16:creationId xmlns:a16="http://schemas.microsoft.com/office/drawing/2014/main" id="{00E36336-C6B9-9049-8C26-B89E5F93A8F0}"/>
-              </a:ext>
-            </a:extLst>
-          </p:cNvPr>
-          <p:cNvPicPr>
-            <a:picLocks noChangeAspect="1"/>
-          </p:cNvPicPr>
-          <p:nvPr/>
-        </p:nvPicPr>
-        <p:blipFill>
-          <a:blip r:embed="rId4"/>
-          <a:stretch>
-            <a:fillRect/>
-          </a:stretch>
-        </p:blipFill>
-        <p:spPr>
-          <a:xfrm>
-            <a:off x="3206750" y="4315460"/>
-            <a:ext cx="5831840" cy="2542540"/>
-          </a:xfrm>
-          <a:prstGeom prst="rect">
-            <a:avLst/>
-          </a:prstGeom>
-          <a:ln>
-            <a:solidFill>
-              <a:schemeClr val="accent1"/>
-            </a:solidFill>
-          </a:ln>
-        </p:spPr>
-      </p:pic>
-    </p:spTree>
-    <p:extLst>
-      <p:ext uri="{BB962C8B-B14F-4D97-AF65-F5344CB8AC3E}">
-        <p14:creationId xmlns:p14="http://schemas.microsoft.com/office/powerpoint/2010/main" val="4121573176"/>
-      </p:ext>
-    </p:extLst>
-  </p:cSld>
-  <p:clrMapOvr>
-    <a:masterClrMapping/>
-  </p:clrMapOvr>
-  <p:timing>
-    <p:tnLst>
-      <p:par>
-        <p:cTn id="1" dur="indefinite" restart="never" nodeType="tmRoot">
-          <p:childTnLst>
-            <p:seq concurrent="1" nextAc="seek">
-              <p:cTn id="2" dur="indefinite" nodeType="mainSeq">
-                <p:childTnLst>
-                  <p:par>
-                    <p:cTn id="3" fill="hold">
-                      <p:stCondLst>
-                        <p:cond delay="indefinite"/>
-                      </p:stCondLst>
-                      <p:childTnLst>
-                        <p:par>
-                          <p:cTn id="4" fill="hold">
-                            <p:stCondLst>
-                              <p:cond delay="0"/>
-                            </p:stCondLst>
-                            <p:childTnLst>
-                              <p:par>
-                                <p:cTn id="5" presetID="1" presetClass="entr" presetSubtype="0" fill="hold" nodeType="clickEffect">
-                                  <p:stCondLst>
-                                    <p:cond delay="0"/>
-                                  </p:stCondLst>
-                                  <p:childTnLst>
-                                    <p:set>
-                                      <p:cBhvr>
-                                        <p:cTn id="6" dur="1" fill="hold">
-                                          <p:stCondLst>
-                                            <p:cond delay="0"/>
-                                          </p:stCondLst>
-                                        </p:cTn>
-                                        <p:tgtEl>
-                                          <p:spTgt spid="22"/>
-                                        </p:tgtEl>
-                                        <p:attrNameLst>
-                                          <p:attrName>style.visibility</p:attrName>
-                                        </p:attrNameLst>
-                                      </p:cBhvr>
-                                      <p:to>
-                                        <p:strVal val="visible"/>
-                                      </p:to>
-                                    </p:set>
-                                  </p:childTnLst>
-                                </p:cTn>
-                              </p:par>
-                            </p:childTnLst>
-                          </p:cTn>
-                        </p:par>
-                      </p:childTnLst>
-                    </p:cTn>
-                  </p:par>
-                  <p:par>
-                    <p:cTn id="7" fill="hold">
-                      <p:stCondLst>
-                        <p:cond delay="indefinite"/>
-                      </p:stCondLst>
-                      <p:childTnLst>
-                        <p:par>
-                          <p:cTn id="8" fill="hold">
-                            <p:stCondLst>
-                              <p:cond delay="0"/>
-                            </p:stCondLst>
-                            <p:childTnLst>
-                              <p:par>
-                                <p:cTn id="9" presetID="1" presetClass="entr" presetSubtype="0" fill="hold" nodeType="clickEffect">
-                                  <p:stCondLst>
-                                    <p:cond delay="0"/>
-                                  </p:stCondLst>
-                                  <p:childTnLst>
-                                    <p:set>
-                                      <p:cBhvr>
-                                        <p:cTn id="10" dur="1" fill="hold">
-                                          <p:stCondLst>
-                                            <p:cond delay="0"/>
-                                          </p:stCondLst>
-                                        </p:cTn>
-                                        <p:tgtEl>
-                                          <p:spTgt spid="23"/>
-                                        </p:tgtEl>
-                                        <p:attrNameLst>
-                                          <p:attrName>style.visibility</p:attrName>
-                                        </p:attrNameLst>
-                                      </p:cBhvr>
-                                      <p:to>
-                                        <p:strVal val="visible"/>
-                                      </p:to>
-                                    </p:set>
-                                  </p:childTnLst>
-                                </p:cTn>
-                              </p:par>
-                            </p:childTnLst>
-                          </p:cTn>
-                        </p:par>
-                      </p:childTnLst>
-                    </p:cTn>
-                  </p:par>
-                </p:childTnLst>
-              </p:cTn>
-              <p:prevCondLst>
-                <p:cond evt="onPrev" delay="0">
-                  <p:tgtEl>
-                    <p:sldTgt/>
-                  </p:tgtEl>
-                </p:cond>
-              </p:prevCondLst>
-              <p:nextCondLst>
-                <p:cond evt="onNext" delay="0">
-                  <p:tgtEl>
-                    <p:sldTgt/>
-                  </p:tgtEl>
-                </p:cond>
-              </p:nextCondLst>
-            </p:seq>
-          </p:childTnLst>
-        </p:cTn>
-      </p:par>
-    </p:tnLst>
-  </p:timing>
-</p:sld>
-</file>
-
-<file path=ppt/slides/slide20.xml><?xml version="1.0" encoding="utf-8"?>
-<p:sld xmlns:a="http://schemas.openxmlformats.org/drawingml/2006/main" xmlns:r="http://schemas.openxmlformats.org/officeDocument/2006/relationships" xmlns:p="http://schemas.openxmlformats.org/presentationml/2006/main">
-  <p:cSld>
-    <p:spTree>
-      <p:nvGrpSpPr>
-        <p:cNvPr id="1" name=""/>
-        <p:cNvGrpSpPr/>
-        <p:nvPr/>
-      </p:nvGrpSpPr>
-      <p:grpSpPr>
-        <a:xfrm>
-          <a:off x="0" y="0"/>
-          <a:ext cx="0" cy="0"/>
-          <a:chOff x="0" y="0"/>
-          <a:chExt cx="0" cy="0"/>
-        </a:xfrm>
-      </p:grpSpPr>
-      <p:sp>
-        <p:nvSpPr>
-          <p:cNvPr id="2" name="Title 1">
-            <a:extLst>
-              <a:ext uri="{FF2B5EF4-FFF2-40B4-BE49-F238E27FC236}">
-                <a16:creationId xmlns:a16="http://schemas.microsoft.com/office/drawing/2014/main" id="{62EFEAE1-6494-6743-93FA-B10A9913D1F6}"/>
-              </a:ext>
-            </a:extLst>
-          </p:cNvPr>
-          <p:cNvSpPr>
-            <a:spLocks noGrp="1"/>
-          </p:cNvSpPr>
-          <p:nvPr>
-            <p:ph type="title"/>
-          </p:nvPr>
-        </p:nvSpPr>
-        <p:spPr>
-          <a:xfrm>
-            <a:off x="838200" y="185837"/>
-            <a:ext cx="10515600" cy="1325563"/>
-          </a:xfrm>
-        </p:spPr>
-        <p:txBody>
-          <a:bodyPr/>
-          <a:lstStyle/>
-          <a:p>
-            <a:r>
-              <a:rPr lang="en-GB" dirty="0" err="1"/>
-              <a:t>Kortspillet</a:t>
-            </a:r>
-            <a:r>
-              <a:rPr lang="en-GB" dirty="0"/>
-              <a:t> </a:t>
-            </a:r>
-            <a:r>
-              <a:rPr lang="en-GB" dirty="0" err="1"/>
-              <a:t>krig</a:t>
-            </a:r>
-            <a:endParaRPr lang="en-GB" dirty="0"/>
-          </a:p>
-        </p:txBody>
-      </p:sp>
-      <p:pic>
-        <p:nvPicPr>
-          <p:cNvPr id="4" name="Picture 3">
-            <a:extLst>
-              <a:ext uri="{FF2B5EF4-FFF2-40B4-BE49-F238E27FC236}">
-                <a16:creationId xmlns:a16="http://schemas.microsoft.com/office/drawing/2014/main" id="{D7D6458C-7A16-EA49-BF6E-AA18859FEBFE}"/>
-              </a:ext>
-            </a:extLst>
-          </p:cNvPr>
-          <p:cNvPicPr>
-            <a:picLocks noChangeAspect="1"/>
-          </p:cNvPicPr>
-          <p:nvPr/>
-        </p:nvPicPr>
-        <p:blipFill>
-          <a:blip r:embed="rId2"/>
-          <a:stretch>
-            <a:fillRect/>
-          </a:stretch>
-        </p:blipFill>
-        <p:spPr>
-          <a:xfrm>
-            <a:off x="5827059" y="893576"/>
-            <a:ext cx="6072198" cy="3624635"/>
-          </a:xfrm>
-          <a:prstGeom prst="rect">
-            <a:avLst/>
-          </a:prstGeom>
-        </p:spPr>
-      </p:pic>
-      <p:sp>
-        <p:nvSpPr>
-          <p:cNvPr id="5" name="Content Placeholder 2">
-            <a:extLst>
-              <a:ext uri="{FF2B5EF4-FFF2-40B4-BE49-F238E27FC236}">
-                <a16:creationId xmlns:a16="http://schemas.microsoft.com/office/drawing/2014/main" id="{0FC3E5E5-B759-D845-9B94-6DE05D5FD722}"/>
-              </a:ext>
-            </a:extLst>
-          </p:cNvPr>
-          <p:cNvSpPr txBox="1">
-            <a:spLocks/>
-          </p:cNvSpPr>
-          <p:nvPr/>
-        </p:nvSpPr>
-        <p:spPr>
-          <a:xfrm>
-            <a:off x="89649" y="1470212"/>
-            <a:ext cx="6651811" cy="5387788"/>
-          </a:xfrm>
-          <a:prstGeom prst="rect">
-            <a:avLst/>
-          </a:prstGeom>
-        </p:spPr>
-        <p:txBody>
-          <a:bodyPr vert="horz" lIns="91440" tIns="45720" rIns="91440" bIns="45720" rtlCol="0">
-            <a:normAutofit fontScale="85000" lnSpcReduction="10000"/>
-          </a:bodyPr>
-          <a:lstStyle>
-            <a:lvl1pPr marL="228600" indent="-228600" algn="l" defTabSz="914400" rtl="0" eaLnBrk="1" latinLnBrk="0" hangingPunct="1">
-              <a:lnSpc>
-                <a:spcPct val="90000"/>
-              </a:lnSpc>
-              <a:spcBef>
-                <a:spcPts val="1000"/>
-              </a:spcBef>
-              <a:buFont typeface="Arial" panose="020B0604020202020204" pitchFamily="34" charset="0"/>
-              <a:buChar char="•"/>
-              <a:defRPr sz="2800" kern="1200">
-                <a:solidFill>
-                  <a:schemeClr val="tx1"/>
-                </a:solidFill>
-                <a:latin typeface="+mn-lt"/>
-                <a:ea typeface="+mn-ea"/>
-                <a:cs typeface="+mn-cs"/>
-              </a:defRPr>
-            </a:lvl1pPr>
-            <a:lvl2pPr marL="685800" indent="-228600" algn="l" defTabSz="914400" rtl="0" eaLnBrk="1" latinLnBrk="0" hangingPunct="1">
-              <a:lnSpc>
-                <a:spcPct val="90000"/>
-              </a:lnSpc>
-              <a:spcBef>
-                <a:spcPts val="500"/>
-              </a:spcBef>
-              <a:buFont typeface="Arial" panose="020B0604020202020204" pitchFamily="34" charset="0"/>
-              <a:buChar char="•"/>
-              <a:defRPr sz="2400" kern="1200">
-                <a:solidFill>
-                  <a:schemeClr val="tx1"/>
-                </a:solidFill>
-                <a:latin typeface="+mn-lt"/>
-                <a:ea typeface="+mn-ea"/>
-                <a:cs typeface="+mn-cs"/>
-              </a:defRPr>
-            </a:lvl2pPr>
-            <a:lvl3pPr marL="1143000" indent="-228600" algn="l" defTabSz="914400" rtl="0" eaLnBrk="1" latinLnBrk="0" hangingPunct="1">
-              <a:lnSpc>
-                <a:spcPct val="90000"/>
-              </a:lnSpc>
-              <a:spcBef>
-                <a:spcPts val="500"/>
-              </a:spcBef>
-              <a:buFont typeface="Arial" panose="020B0604020202020204" pitchFamily="34" charset="0"/>
-              <a:buChar char="•"/>
-              <a:defRPr sz="2000" kern="1200">
-                <a:solidFill>
-                  <a:schemeClr val="tx1"/>
-                </a:solidFill>
-                <a:latin typeface="+mn-lt"/>
-                <a:ea typeface="+mn-ea"/>
-                <a:cs typeface="+mn-cs"/>
-              </a:defRPr>
-            </a:lvl3pPr>
-            <a:lvl4pPr marL="1600200" indent="-228600" algn="l" defTabSz="914400" rtl="0" eaLnBrk="1" latinLnBrk="0" hangingPunct="1">
-              <a:lnSpc>
-                <a:spcPct val="90000"/>
-              </a:lnSpc>
-              <a:spcBef>
-                <a:spcPts val="500"/>
-              </a:spcBef>
-              <a:buFont typeface="Arial" panose="020B0604020202020204" pitchFamily="34" charset="0"/>
-              <a:buChar char="•"/>
-              <a:defRPr sz="1800" kern="1200">
-                <a:solidFill>
-                  <a:schemeClr val="tx1"/>
-                </a:solidFill>
-                <a:latin typeface="+mn-lt"/>
-                <a:ea typeface="+mn-ea"/>
-                <a:cs typeface="+mn-cs"/>
-              </a:defRPr>
-            </a:lvl4pPr>
-            <a:lvl5pPr marL="2057400" indent="-228600" algn="l" defTabSz="914400" rtl="0" eaLnBrk="1" latinLnBrk="0" hangingPunct="1">
-              <a:lnSpc>
-                <a:spcPct val="90000"/>
-              </a:lnSpc>
-              <a:spcBef>
-                <a:spcPts val="500"/>
-              </a:spcBef>
-              <a:buFont typeface="Arial" panose="020B0604020202020204" pitchFamily="34" charset="0"/>
-              <a:buChar char="•"/>
-              <a:defRPr sz="1800" kern="1200">
-                <a:solidFill>
-                  <a:schemeClr val="tx1"/>
-                </a:solidFill>
-                <a:latin typeface="+mn-lt"/>
-                <a:ea typeface="+mn-ea"/>
-                <a:cs typeface="+mn-cs"/>
-              </a:defRPr>
-            </a:lvl5pPr>
-            <a:lvl6pPr marL="2514600" indent="-228600" algn="l" defTabSz="914400" rtl="0" eaLnBrk="1" latinLnBrk="0" hangingPunct="1">
-              <a:lnSpc>
-                <a:spcPct val="90000"/>
-              </a:lnSpc>
-              <a:spcBef>
-                <a:spcPts val="500"/>
-              </a:spcBef>
-              <a:buFont typeface="Arial" panose="020B0604020202020204" pitchFamily="34" charset="0"/>
-              <a:buChar char="•"/>
-              <a:defRPr sz="1800" kern="1200">
-                <a:solidFill>
-                  <a:schemeClr val="tx1"/>
-                </a:solidFill>
-                <a:latin typeface="+mn-lt"/>
-                <a:ea typeface="+mn-ea"/>
-                <a:cs typeface="+mn-cs"/>
-              </a:defRPr>
-            </a:lvl6pPr>
-            <a:lvl7pPr marL="2971800" indent="-228600" algn="l" defTabSz="914400" rtl="0" eaLnBrk="1" latinLnBrk="0" hangingPunct="1">
-              <a:lnSpc>
-                <a:spcPct val="90000"/>
-              </a:lnSpc>
-              <a:spcBef>
-                <a:spcPts val="500"/>
-              </a:spcBef>
-              <a:buFont typeface="Arial" panose="020B0604020202020204" pitchFamily="34" charset="0"/>
-              <a:buChar char="•"/>
-              <a:defRPr sz="1800" kern="1200">
-                <a:solidFill>
-                  <a:schemeClr val="tx1"/>
-                </a:solidFill>
-                <a:latin typeface="+mn-lt"/>
-                <a:ea typeface="+mn-ea"/>
-                <a:cs typeface="+mn-cs"/>
-              </a:defRPr>
-            </a:lvl7pPr>
-            <a:lvl8pPr marL="3429000" indent="-228600" algn="l" defTabSz="914400" rtl="0" eaLnBrk="1" latinLnBrk="0" hangingPunct="1">
-              <a:lnSpc>
-                <a:spcPct val="90000"/>
-              </a:lnSpc>
-              <a:spcBef>
-                <a:spcPts val="500"/>
-              </a:spcBef>
-              <a:buFont typeface="Arial" panose="020B0604020202020204" pitchFamily="34" charset="0"/>
-              <a:buChar char="•"/>
-              <a:defRPr sz="1800" kern="1200">
-                <a:solidFill>
-                  <a:schemeClr val="tx1"/>
-                </a:solidFill>
-                <a:latin typeface="+mn-lt"/>
-                <a:ea typeface="+mn-ea"/>
-                <a:cs typeface="+mn-cs"/>
-              </a:defRPr>
-            </a:lvl8pPr>
-            <a:lvl9pPr marL="3886200" indent="-228600" algn="l" defTabSz="914400" rtl="0" eaLnBrk="1" latinLnBrk="0" hangingPunct="1">
-              <a:lnSpc>
-                <a:spcPct val="90000"/>
-              </a:lnSpc>
-              <a:spcBef>
-                <a:spcPts val="500"/>
-              </a:spcBef>
-              <a:buFont typeface="Arial" panose="020B0604020202020204" pitchFamily="34" charset="0"/>
-              <a:buChar char="•"/>
-              <a:defRPr sz="1800" kern="1200">
-                <a:solidFill>
-                  <a:schemeClr val="tx1"/>
-                </a:solidFill>
-                <a:latin typeface="+mn-lt"/>
-                <a:ea typeface="+mn-ea"/>
-                <a:cs typeface="+mn-cs"/>
-              </a:defRPr>
-            </a:lvl9pPr>
-          </a:lstStyle>
-          <a:p>
-            <a:pPr marL="0" indent="0">
-              <a:buFont typeface="Arial" panose="020B0604020202020204" pitchFamily="34" charset="0"/>
-              <a:buNone/>
-            </a:pPr>
-            <a:r>
-              <a:rPr lang="da-DK" dirty="0">
-                <a:highlight>
-                  <a:srgbClr val="00FF00"/>
-                </a:highlight>
-              </a:rPr>
-              <a:t>Spiller</a:t>
-            </a:r>
-            <a:r>
-              <a:rPr lang="da-DK" dirty="0"/>
-              <a:t> </a:t>
-            </a:r>
-          </a:p>
-          <a:p>
-            <a:pPr marL="0" indent="0">
-              <a:buFont typeface="Arial" panose="020B0604020202020204" pitchFamily="34" charset="0"/>
-              <a:buNone/>
-            </a:pPr>
-            <a:r>
-              <a:rPr lang="da-DK" dirty="0">
-                <a:highlight>
-                  <a:srgbClr val="00FF00"/>
-                </a:highlight>
-              </a:rPr>
-              <a:t>Kort</a:t>
-            </a:r>
-          </a:p>
-          <a:p>
-            <a:pPr marL="0" indent="0">
-              <a:buFont typeface="Arial" panose="020B0604020202020204" pitchFamily="34" charset="0"/>
-              <a:buNone/>
-            </a:pPr>
-            <a:r>
-              <a:rPr lang="da-DK" dirty="0">
-                <a:highlight>
-                  <a:srgbClr val="00FF00"/>
-                </a:highlight>
-              </a:rPr>
-              <a:t>Bunke/ kortstak</a:t>
-            </a:r>
-          </a:p>
-          <a:p>
-            <a:pPr marL="0" indent="0">
-              <a:buFont typeface="Arial" panose="020B0604020202020204" pitchFamily="34" charset="0"/>
-              <a:buNone/>
-            </a:pPr>
-            <a:r>
-              <a:rPr lang="da-DK" dirty="0">
-                <a:highlight>
-                  <a:srgbClr val="00FF00"/>
-                </a:highlight>
-              </a:rPr>
-              <a:t>Billedsiden</a:t>
-            </a:r>
-          </a:p>
-          <a:p>
-            <a:pPr marL="0" indent="0">
-              <a:buFont typeface="Arial" panose="020B0604020202020204" pitchFamily="34" charset="0"/>
-              <a:buNone/>
-            </a:pPr>
-            <a:r>
-              <a:rPr lang="da-DK" dirty="0">
-                <a:highlight>
-                  <a:srgbClr val="00FF00"/>
-                </a:highlight>
-              </a:rPr>
-              <a:t>Værdi</a:t>
-            </a:r>
-          </a:p>
-          <a:p>
-            <a:pPr marL="0" indent="0">
-              <a:buFont typeface="Arial" panose="020B0604020202020204" pitchFamily="34" charset="0"/>
-              <a:buNone/>
-            </a:pPr>
-            <a:endParaRPr lang="da-DK" dirty="0">
-              <a:highlight>
-                <a:srgbClr val="00FFFF"/>
-              </a:highlight>
-            </a:endParaRPr>
-          </a:p>
-          <a:p>
-            <a:pPr marL="0" indent="0">
-              <a:buFont typeface="Arial" panose="020B0604020202020204" pitchFamily="34" charset="0"/>
-              <a:buNone/>
-            </a:pPr>
-            <a:r>
-              <a:rPr lang="da-DK" dirty="0"/>
-              <a:t>Spiller </a:t>
-            </a:r>
-            <a:r>
-              <a:rPr lang="da-DK" dirty="0">
-                <a:highlight>
-                  <a:srgbClr val="00FFFF"/>
-                </a:highlight>
-              </a:rPr>
-              <a:t>får</a:t>
-            </a:r>
-            <a:r>
-              <a:rPr lang="da-DK" dirty="0"/>
-              <a:t> kort</a:t>
-            </a:r>
-          </a:p>
-          <a:p>
-            <a:pPr marL="0" indent="0">
-              <a:buFont typeface="Arial" panose="020B0604020202020204" pitchFamily="34" charset="0"/>
-              <a:buNone/>
-            </a:pPr>
-            <a:r>
-              <a:rPr lang="da-DK" dirty="0"/>
-              <a:t>Kort </a:t>
-            </a:r>
-            <a:r>
-              <a:rPr lang="da-DK" dirty="0">
-                <a:highlight>
-                  <a:srgbClr val="00FFFF"/>
-                </a:highlight>
-              </a:rPr>
-              <a:t>placeres</a:t>
-            </a:r>
-            <a:r>
-              <a:rPr lang="da-DK" dirty="0"/>
-              <a:t> foran spiller</a:t>
-            </a:r>
-          </a:p>
-          <a:p>
-            <a:pPr marL="0" indent="0">
-              <a:buFont typeface="Arial" panose="020B0604020202020204" pitchFamily="34" charset="0"/>
-              <a:buNone/>
-            </a:pPr>
-            <a:r>
-              <a:rPr lang="da-DK" dirty="0"/>
-              <a:t>Spiller </a:t>
-            </a:r>
-            <a:r>
-              <a:rPr lang="da-DK" dirty="0">
-                <a:highlight>
-                  <a:srgbClr val="00FFFF"/>
-                </a:highlight>
-              </a:rPr>
-              <a:t>vender</a:t>
-            </a:r>
-            <a:r>
-              <a:rPr lang="da-DK" dirty="0"/>
-              <a:t> det øverste kort. </a:t>
-            </a:r>
-          </a:p>
-          <a:p>
-            <a:pPr marL="0" indent="0">
-              <a:buFont typeface="Arial" panose="020B0604020202020204" pitchFamily="34" charset="0"/>
-              <a:buNone/>
-            </a:pPr>
-            <a:r>
-              <a:rPr lang="da-DK" dirty="0"/>
-              <a:t>Spiller med det højeste </a:t>
-            </a:r>
-            <a:r>
-              <a:rPr lang="da-DK" dirty="0">
-                <a:highlight>
-                  <a:srgbClr val="00FFFF"/>
-                </a:highlight>
-              </a:rPr>
-              <a:t>vinder</a:t>
-            </a:r>
-            <a:r>
-              <a:rPr lang="da-DK" dirty="0"/>
-              <a:t> modstanderens kort. </a:t>
-            </a:r>
-          </a:p>
-          <a:p>
-            <a:pPr marL="0" indent="0">
-              <a:buFont typeface="Arial" panose="020B0604020202020204" pitchFamily="34" charset="0"/>
-              <a:buNone/>
-            </a:pPr>
-            <a:r>
-              <a:rPr lang="da-DK" dirty="0"/>
-              <a:t>Når 2 kort af samme værdi vendes </a:t>
-            </a:r>
-            <a:r>
-              <a:rPr lang="da-DK" dirty="0">
-                <a:highlight>
-                  <a:srgbClr val="00FFFF"/>
-                </a:highlight>
-              </a:rPr>
-              <a:t>bliver der krig</a:t>
-            </a:r>
-            <a:r>
-              <a:rPr lang="da-DK" dirty="0"/>
-              <a:t>.</a:t>
-            </a:r>
-          </a:p>
-          <a:p>
-            <a:pPr marL="0" indent="0">
-              <a:buFont typeface="Arial" panose="020B0604020202020204" pitchFamily="34" charset="0"/>
-              <a:buNone/>
-            </a:pPr>
-            <a:r>
-              <a:rPr lang="da-DK" dirty="0"/>
-              <a:t>I krig lægges yderligere 3 kort frem og den hvis tredje er størst </a:t>
-            </a:r>
-            <a:r>
-              <a:rPr lang="da-DK" dirty="0">
-                <a:highlight>
-                  <a:srgbClr val="00FFFF"/>
-                </a:highlight>
-              </a:rPr>
-              <a:t>tager alle de vendte kort</a:t>
-            </a:r>
-            <a:r>
-              <a:rPr lang="da-DK" dirty="0"/>
-              <a:t>.</a:t>
-            </a:r>
-          </a:p>
-          <a:p>
-            <a:pPr marL="0" indent="0">
-              <a:buFont typeface="Arial" panose="020B0604020202020204" pitchFamily="34" charset="0"/>
-              <a:buNone/>
-            </a:pPr>
-            <a:endParaRPr lang="da-DK" dirty="0"/>
-          </a:p>
-          <a:p>
-            <a:pPr marL="0" indent="0">
-              <a:buFont typeface="Arial" panose="020B0604020202020204" pitchFamily="34" charset="0"/>
-              <a:buNone/>
-            </a:pPr>
-            <a:endParaRPr lang="en-GB" dirty="0"/>
-          </a:p>
-        </p:txBody>
-      </p:sp>
-    </p:spTree>
-    <p:extLst>
-      <p:ext uri="{BB962C8B-B14F-4D97-AF65-F5344CB8AC3E}">
-        <p14:creationId xmlns:p14="http://schemas.microsoft.com/office/powerpoint/2010/main" val="2295751591"/>
-      </p:ext>
-    </p:extLst>
-  </p:cSld>
-  <p:clrMapOvr>
-    <a:masterClrMapping/>
-  </p:clrMapOvr>
-</p:sld>
-</file>
-
-<file path=ppt/slides/slide21.xml><?xml version="1.0" encoding="utf-8"?>
-<p:sld xmlns:a="http://schemas.openxmlformats.org/drawingml/2006/main" xmlns:r="http://schemas.openxmlformats.org/officeDocument/2006/relationships" xmlns:p="http://schemas.openxmlformats.org/presentationml/2006/main">
-  <p:cSld>
-    <p:spTree>
-      <p:nvGrpSpPr>
-        <p:cNvPr id="1" name=""/>
-        <p:cNvGrpSpPr/>
-        <p:nvPr/>
-      </p:nvGrpSpPr>
-      <p:grpSpPr>
-        <a:xfrm>
-          <a:off x="0" y="0"/>
-          <a:ext cx="0" cy="0"/>
-          <a:chOff x="0" y="0"/>
-          <a:chExt cx="0" cy="0"/>
-        </a:xfrm>
-      </p:grpSpPr>
-      <p:sp>
-        <p:nvSpPr>
-          <p:cNvPr id="2" name="Title 1">
-            <a:extLst>
-              <a:ext uri="{FF2B5EF4-FFF2-40B4-BE49-F238E27FC236}">
-                <a16:creationId xmlns:a16="http://schemas.microsoft.com/office/drawing/2014/main" id="{62EFEAE1-6494-6743-93FA-B10A9913D1F6}"/>
-              </a:ext>
-            </a:extLst>
-          </p:cNvPr>
-          <p:cNvSpPr>
-            <a:spLocks noGrp="1"/>
-          </p:cNvSpPr>
-          <p:nvPr>
-            <p:ph type="title"/>
-          </p:nvPr>
-        </p:nvSpPr>
-        <p:spPr>
-          <a:xfrm>
-            <a:off x="838200" y="149978"/>
-            <a:ext cx="10515600" cy="1325563"/>
-          </a:xfrm>
-        </p:spPr>
-        <p:txBody>
-          <a:bodyPr/>
-          <a:lstStyle/>
-          <a:p>
-            <a:r>
-              <a:rPr lang="en-GB" dirty="0" err="1"/>
-              <a:t>Kortspillet</a:t>
-            </a:r>
-            <a:r>
-              <a:rPr lang="en-GB" dirty="0"/>
-              <a:t> </a:t>
-            </a:r>
-            <a:r>
-              <a:rPr lang="en-GB" dirty="0" err="1"/>
-              <a:t>krig</a:t>
-            </a:r>
-            <a:endParaRPr lang="en-GB" dirty="0"/>
-          </a:p>
-        </p:txBody>
-      </p:sp>
-      <p:pic>
-        <p:nvPicPr>
-          <p:cNvPr id="4" name="Picture 3">
-            <a:extLst>
-              <a:ext uri="{FF2B5EF4-FFF2-40B4-BE49-F238E27FC236}">
-                <a16:creationId xmlns:a16="http://schemas.microsoft.com/office/drawing/2014/main" id="{5766E83A-42F2-434B-8C5A-52AE99180DFC}"/>
-              </a:ext>
-            </a:extLst>
-          </p:cNvPr>
-          <p:cNvPicPr>
-            <a:picLocks noChangeAspect="1"/>
-          </p:cNvPicPr>
-          <p:nvPr/>
-        </p:nvPicPr>
-        <p:blipFill>
-          <a:blip r:embed="rId2"/>
-          <a:stretch>
-            <a:fillRect/>
-          </a:stretch>
-        </p:blipFill>
-        <p:spPr>
-          <a:xfrm>
-            <a:off x="5323188" y="365126"/>
-            <a:ext cx="6485572" cy="5022661"/>
-          </a:xfrm>
-          <a:prstGeom prst="rect">
-            <a:avLst/>
-          </a:prstGeom>
-        </p:spPr>
-      </p:pic>
-      <p:sp>
-        <p:nvSpPr>
-          <p:cNvPr id="5" name="Content Placeholder 2">
-            <a:extLst>
-              <a:ext uri="{FF2B5EF4-FFF2-40B4-BE49-F238E27FC236}">
-                <a16:creationId xmlns:a16="http://schemas.microsoft.com/office/drawing/2014/main" id="{5EF0526E-56F3-1E45-89F8-BF90FDD92341}"/>
-              </a:ext>
-            </a:extLst>
-          </p:cNvPr>
-          <p:cNvSpPr txBox="1">
-            <a:spLocks/>
-          </p:cNvSpPr>
-          <p:nvPr/>
-        </p:nvSpPr>
-        <p:spPr>
-          <a:xfrm>
-            <a:off x="89649" y="1470212"/>
-            <a:ext cx="6651811" cy="5387788"/>
-          </a:xfrm>
-          <a:prstGeom prst="rect">
-            <a:avLst/>
-          </a:prstGeom>
-        </p:spPr>
-        <p:txBody>
-          <a:bodyPr vert="horz" lIns="91440" tIns="45720" rIns="91440" bIns="45720" rtlCol="0">
-            <a:normAutofit fontScale="85000" lnSpcReduction="10000"/>
-          </a:bodyPr>
-          <a:lstStyle>
-            <a:lvl1pPr marL="228600" indent="-228600" algn="l" defTabSz="914400" rtl="0" eaLnBrk="1" latinLnBrk="0" hangingPunct="1">
-              <a:lnSpc>
-                <a:spcPct val="90000"/>
-              </a:lnSpc>
-              <a:spcBef>
-                <a:spcPts val="1000"/>
-              </a:spcBef>
-              <a:buFont typeface="Arial" panose="020B0604020202020204" pitchFamily="34" charset="0"/>
-              <a:buChar char="•"/>
-              <a:defRPr sz="2800" kern="1200">
-                <a:solidFill>
-                  <a:schemeClr val="tx1"/>
-                </a:solidFill>
-                <a:latin typeface="+mn-lt"/>
-                <a:ea typeface="+mn-ea"/>
-                <a:cs typeface="+mn-cs"/>
-              </a:defRPr>
-            </a:lvl1pPr>
-            <a:lvl2pPr marL="685800" indent="-228600" algn="l" defTabSz="914400" rtl="0" eaLnBrk="1" latinLnBrk="0" hangingPunct="1">
-              <a:lnSpc>
-                <a:spcPct val="90000"/>
-              </a:lnSpc>
-              <a:spcBef>
-                <a:spcPts val="500"/>
-              </a:spcBef>
-              <a:buFont typeface="Arial" panose="020B0604020202020204" pitchFamily="34" charset="0"/>
-              <a:buChar char="•"/>
-              <a:defRPr sz="2400" kern="1200">
-                <a:solidFill>
-                  <a:schemeClr val="tx1"/>
-                </a:solidFill>
-                <a:latin typeface="+mn-lt"/>
-                <a:ea typeface="+mn-ea"/>
-                <a:cs typeface="+mn-cs"/>
-              </a:defRPr>
-            </a:lvl2pPr>
-            <a:lvl3pPr marL="1143000" indent="-228600" algn="l" defTabSz="914400" rtl="0" eaLnBrk="1" latinLnBrk="0" hangingPunct="1">
-              <a:lnSpc>
-                <a:spcPct val="90000"/>
-              </a:lnSpc>
-              <a:spcBef>
-                <a:spcPts val="500"/>
-              </a:spcBef>
-              <a:buFont typeface="Arial" panose="020B0604020202020204" pitchFamily="34" charset="0"/>
-              <a:buChar char="•"/>
-              <a:defRPr sz="2000" kern="1200">
-                <a:solidFill>
-                  <a:schemeClr val="tx1"/>
-                </a:solidFill>
-                <a:latin typeface="+mn-lt"/>
-                <a:ea typeface="+mn-ea"/>
-                <a:cs typeface="+mn-cs"/>
-              </a:defRPr>
-            </a:lvl3pPr>
-            <a:lvl4pPr marL="1600200" indent="-228600" algn="l" defTabSz="914400" rtl="0" eaLnBrk="1" latinLnBrk="0" hangingPunct="1">
-              <a:lnSpc>
-                <a:spcPct val="90000"/>
-              </a:lnSpc>
-              <a:spcBef>
-                <a:spcPts val="500"/>
-              </a:spcBef>
-              <a:buFont typeface="Arial" panose="020B0604020202020204" pitchFamily="34" charset="0"/>
-              <a:buChar char="•"/>
-              <a:defRPr sz="1800" kern="1200">
-                <a:solidFill>
-                  <a:schemeClr val="tx1"/>
-                </a:solidFill>
-                <a:latin typeface="+mn-lt"/>
-                <a:ea typeface="+mn-ea"/>
-                <a:cs typeface="+mn-cs"/>
-              </a:defRPr>
-            </a:lvl4pPr>
-            <a:lvl5pPr marL="2057400" indent="-228600" algn="l" defTabSz="914400" rtl="0" eaLnBrk="1" latinLnBrk="0" hangingPunct="1">
-              <a:lnSpc>
-                <a:spcPct val="90000"/>
-              </a:lnSpc>
-              <a:spcBef>
-                <a:spcPts val="500"/>
-              </a:spcBef>
-              <a:buFont typeface="Arial" panose="020B0604020202020204" pitchFamily="34" charset="0"/>
-              <a:buChar char="•"/>
-              <a:defRPr sz="1800" kern="1200">
-                <a:solidFill>
-                  <a:schemeClr val="tx1"/>
-                </a:solidFill>
-                <a:latin typeface="+mn-lt"/>
-                <a:ea typeface="+mn-ea"/>
-                <a:cs typeface="+mn-cs"/>
-              </a:defRPr>
-            </a:lvl5pPr>
-            <a:lvl6pPr marL="2514600" indent="-228600" algn="l" defTabSz="914400" rtl="0" eaLnBrk="1" latinLnBrk="0" hangingPunct="1">
-              <a:lnSpc>
-                <a:spcPct val="90000"/>
-              </a:lnSpc>
-              <a:spcBef>
-                <a:spcPts val="500"/>
-              </a:spcBef>
-              <a:buFont typeface="Arial" panose="020B0604020202020204" pitchFamily="34" charset="0"/>
-              <a:buChar char="•"/>
-              <a:defRPr sz="1800" kern="1200">
-                <a:solidFill>
-                  <a:schemeClr val="tx1"/>
-                </a:solidFill>
-                <a:latin typeface="+mn-lt"/>
-                <a:ea typeface="+mn-ea"/>
-                <a:cs typeface="+mn-cs"/>
-              </a:defRPr>
-            </a:lvl6pPr>
-            <a:lvl7pPr marL="2971800" indent="-228600" algn="l" defTabSz="914400" rtl="0" eaLnBrk="1" latinLnBrk="0" hangingPunct="1">
-              <a:lnSpc>
-                <a:spcPct val="90000"/>
-              </a:lnSpc>
-              <a:spcBef>
-                <a:spcPts val="500"/>
-              </a:spcBef>
-              <a:buFont typeface="Arial" panose="020B0604020202020204" pitchFamily="34" charset="0"/>
-              <a:buChar char="•"/>
-              <a:defRPr sz="1800" kern="1200">
-                <a:solidFill>
-                  <a:schemeClr val="tx1"/>
-                </a:solidFill>
-                <a:latin typeface="+mn-lt"/>
-                <a:ea typeface="+mn-ea"/>
-                <a:cs typeface="+mn-cs"/>
-              </a:defRPr>
-            </a:lvl7pPr>
-            <a:lvl8pPr marL="3429000" indent="-228600" algn="l" defTabSz="914400" rtl="0" eaLnBrk="1" latinLnBrk="0" hangingPunct="1">
-              <a:lnSpc>
-                <a:spcPct val="90000"/>
-              </a:lnSpc>
-              <a:spcBef>
-                <a:spcPts val="500"/>
-              </a:spcBef>
-              <a:buFont typeface="Arial" panose="020B0604020202020204" pitchFamily="34" charset="0"/>
-              <a:buChar char="•"/>
-              <a:defRPr sz="1800" kern="1200">
-                <a:solidFill>
-                  <a:schemeClr val="tx1"/>
-                </a:solidFill>
-                <a:latin typeface="+mn-lt"/>
-                <a:ea typeface="+mn-ea"/>
-                <a:cs typeface="+mn-cs"/>
-              </a:defRPr>
-            </a:lvl8pPr>
-            <a:lvl9pPr marL="3886200" indent="-228600" algn="l" defTabSz="914400" rtl="0" eaLnBrk="1" latinLnBrk="0" hangingPunct="1">
-              <a:lnSpc>
-                <a:spcPct val="90000"/>
-              </a:lnSpc>
-              <a:spcBef>
-                <a:spcPts val="500"/>
-              </a:spcBef>
-              <a:buFont typeface="Arial" panose="020B0604020202020204" pitchFamily="34" charset="0"/>
-              <a:buChar char="•"/>
-              <a:defRPr sz="1800" kern="1200">
-                <a:solidFill>
-                  <a:schemeClr val="tx1"/>
-                </a:solidFill>
-                <a:latin typeface="+mn-lt"/>
-                <a:ea typeface="+mn-ea"/>
-                <a:cs typeface="+mn-cs"/>
-              </a:defRPr>
-            </a:lvl9pPr>
-          </a:lstStyle>
-          <a:p>
-            <a:pPr marL="0" indent="0">
-              <a:buFont typeface="Arial" panose="020B0604020202020204" pitchFamily="34" charset="0"/>
-              <a:buNone/>
-            </a:pPr>
-            <a:r>
-              <a:rPr lang="da-DK" dirty="0">
-                <a:highlight>
-                  <a:srgbClr val="00FF00"/>
-                </a:highlight>
-              </a:rPr>
-              <a:t>Spiller</a:t>
-            </a:r>
-            <a:r>
-              <a:rPr lang="da-DK" dirty="0"/>
-              <a:t> </a:t>
-            </a:r>
-          </a:p>
-          <a:p>
-            <a:pPr marL="0" indent="0">
-              <a:buFont typeface="Arial" panose="020B0604020202020204" pitchFamily="34" charset="0"/>
-              <a:buNone/>
-            </a:pPr>
-            <a:r>
-              <a:rPr lang="da-DK" dirty="0">
-                <a:highlight>
-                  <a:srgbClr val="00FF00"/>
-                </a:highlight>
-              </a:rPr>
-              <a:t>Kort</a:t>
-            </a:r>
-          </a:p>
-          <a:p>
-            <a:pPr marL="0" indent="0">
-              <a:buFont typeface="Arial" panose="020B0604020202020204" pitchFamily="34" charset="0"/>
-              <a:buNone/>
-            </a:pPr>
-            <a:r>
-              <a:rPr lang="da-DK" dirty="0">
-                <a:highlight>
-                  <a:srgbClr val="00FF00"/>
-                </a:highlight>
-              </a:rPr>
-              <a:t>Bunke/ kortstak</a:t>
-            </a:r>
-          </a:p>
-          <a:p>
-            <a:pPr marL="0" indent="0">
-              <a:buFont typeface="Arial" panose="020B0604020202020204" pitchFamily="34" charset="0"/>
-              <a:buNone/>
-            </a:pPr>
-            <a:r>
-              <a:rPr lang="da-DK" dirty="0">
-                <a:highlight>
-                  <a:srgbClr val="00FF00"/>
-                </a:highlight>
-              </a:rPr>
-              <a:t>Billedsiden</a:t>
-            </a:r>
-          </a:p>
-          <a:p>
-            <a:pPr marL="0" indent="0">
-              <a:buFont typeface="Arial" panose="020B0604020202020204" pitchFamily="34" charset="0"/>
-              <a:buNone/>
-            </a:pPr>
-            <a:r>
-              <a:rPr lang="da-DK" dirty="0">
-                <a:highlight>
-                  <a:srgbClr val="00FF00"/>
-                </a:highlight>
-              </a:rPr>
-              <a:t>Værdi</a:t>
-            </a:r>
-          </a:p>
-          <a:p>
-            <a:pPr marL="0" indent="0">
-              <a:buFont typeface="Arial" panose="020B0604020202020204" pitchFamily="34" charset="0"/>
-              <a:buNone/>
-            </a:pPr>
-            <a:endParaRPr lang="da-DK" dirty="0">
-              <a:highlight>
-                <a:srgbClr val="00FFFF"/>
-              </a:highlight>
-            </a:endParaRPr>
-          </a:p>
-          <a:p>
-            <a:pPr marL="0" indent="0">
-              <a:buFont typeface="Arial" panose="020B0604020202020204" pitchFamily="34" charset="0"/>
-              <a:buNone/>
-            </a:pPr>
-            <a:r>
-              <a:rPr lang="da-DK" dirty="0"/>
-              <a:t>Spiller </a:t>
-            </a:r>
-            <a:r>
-              <a:rPr lang="da-DK" dirty="0">
-                <a:highlight>
-                  <a:srgbClr val="00FFFF"/>
-                </a:highlight>
-              </a:rPr>
-              <a:t>får</a:t>
-            </a:r>
-            <a:r>
-              <a:rPr lang="da-DK" dirty="0"/>
-              <a:t> kort</a:t>
-            </a:r>
-          </a:p>
-          <a:p>
-            <a:pPr marL="0" indent="0">
-              <a:buFont typeface="Arial" panose="020B0604020202020204" pitchFamily="34" charset="0"/>
-              <a:buNone/>
-            </a:pPr>
-            <a:r>
-              <a:rPr lang="da-DK" dirty="0"/>
-              <a:t>Kort </a:t>
-            </a:r>
-            <a:r>
-              <a:rPr lang="da-DK" dirty="0">
-                <a:highlight>
-                  <a:srgbClr val="00FFFF"/>
-                </a:highlight>
-              </a:rPr>
-              <a:t>placeres</a:t>
-            </a:r>
-            <a:r>
-              <a:rPr lang="da-DK" dirty="0"/>
-              <a:t> foran spiller</a:t>
-            </a:r>
-          </a:p>
-          <a:p>
-            <a:pPr marL="0" indent="0">
-              <a:buFont typeface="Arial" panose="020B0604020202020204" pitchFamily="34" charset="0"/>
-              <a:buNone/>
-            </a:pPr>
-            <a:r>
-              <a:rPr lang="da-DK" dirty="0"/>
-              <a:t>Spiller </a:t>
-            </a:r>
-            <a:r>
-              <a:rPr lang="da-DK" dirty="0">
-                <a:highlight>
-                  <a:srgbClr val="00FFFF"/>
-                </a:highlight>
-              </a:rPr>
-              <a:t>vender</a:t>
-            </a:r>
-            <a:r>
-              <a:rPr lang="da-DK" dirty="0"/>
-              <a:t> det øverste kort. </a:t>
-            </a:r>
-          </a:p>
-          <a:p>
-            <a:pPr marL="0" indent="0">
-              <a:buFont typeface="Arial" panose="020B0604020202020204" pitchFamily="34" charset="0"/>
-              <a:buNone/>
-            </a:pPr>
-            <a:r>
-              <a:rPr lang="da-DK" dirty="0"/>
-              <a:t>Spiller med det højeste </a:t>
-            </a:r>
-            <a:r>
-              <a:rPr lang="da-DK" dirty="0">
-                <a:highlight>
-                  <a:srgbClr val="00FFFF"/>
-                </a:highlight>
-              </a:rPr>
-              <a:t>vinder</a:t>
-            </a:r>
-            <a:r>
-              <a:rPr lang="da-DK" dirty="0"/>
-              <a:t> modstanderens kort. </a:t>
-            </a:r>
-          </a:p>
-          <a:p>
-            <a:pPr marL="0" indent="0">
-              <a:buFont typeface="Arial" panose="020B0604020202020204" pitchFamily="34" charset="0"/>
-              <a:buNone/>
-            </a:pPr>
-            <a:r>
-              <a:rPr lang="da-DK" dirty="0"/>
-              <a:t>Når 2 kort af samme værdi vendes </a:t>
-            </a:r>
-            <a:r>
-              <a:rPr lang="da-DK" dirty="0">
-                <a:highlight>
-                  <a:srgbClr val="00FFFF"/>
-                </a:highlight>
-              </a:rPr>
-              <a:t>bliver der krig</a:t>
-            </a:r>
-            <a:r>
-              <a:rPr lang="da-DK" dirty="0"/>
-              <a:t>.</a:t>
-            </a:r>
-          </a:p>
-          <a:p>
-            <a:pPr marL="0" indent="0">
-              <a:buFont typeface="Arial" panose="020B0604020202020204" pitchFamily="34" charset="0"/>
-              <a:buNone/>
-            </a:pPr>
-            <a:r>
-              <a:rPr lang="da-DK" dirty="0"/>
-              <a:t>I krig lægges yderligere 3 kort frem og den hvis tredje er størst </a:t>
-            </a:r>
-            <a:r>
-              <a:rPr lang="da-DK" dirty="0">
-                <a:highlight>
-                  <a:srgbClr val="00FFFF"/>
-                </a:highlight>
-              </a:rPr>
-              <a:t>tager alle de vendte kort</a:t>
-            </a:r>
-            <a:r>
-              <a:rPr lang="da-DK" dirty="0"/>
-              <a:t>.</a:t>
-            </a:r>
-          </a:p>
-          <a:p>
-            <a:pPr marL="0" indent="0">
-              <a:buFont typeface="Arial" panose="020B0604020202020204" pitchFamily="34" charset="0"/>
-              <a:buNone/>
-            </a:pPr>
-            <a:endParaRPr lang="da-DK" dirty="0"/>
-          </a:p>
-          <a:p>
-            <a:pPr marL="0" indent="0">
-              <a:buFont typeface="Arial" panose="020B0604020202020204" pitchFamily="34" charset="0"/>
-              <a:buNone/>
-            </a:pPr>
-            <a:endParaRPr lang="en-GB" dirty="0"/>
-          </a:p>
-        </p:txBody>
-      </p:sp>
-    </p:spTree>
-    <p:extLst>
-      <p:ext uri="{BB962C8B-B14F-4D97-AF65-F5344CB8AC3E}">
-        <p14:creationId xmlns:p14="http://schemas.microsoft.com/office/powerpoint/2010/main" val="3291766300"/>
-      </p:ext>
-    </p:extLst>
-  </p:cSld>
-  <p:clrMapOvr>
-    <a:masterClrMapping/>
-  </p:clrMapOvr>
-</p:sld>
-</file>
-
-<file path=ppt/slides/slide3.xml><?xml version="1.0" encoding="utf-8"?>
-<p:sld xmlns:a="http://schemas.openxmlformats.org/drawingml/2006/main" xmlns:r="http://schemas.openxmlformats.org/officeDocument/2006/relationships" xmlns:p="http://schemas.openxmlformats.org/presentationml/2006/main">
-  <p:cSld>
-    <p:bg>
-      <p:bgPr>
-        <a:solidFill>
-          <a:schemeClr val="bg1"/>
-        </a:solidFill>
-        <a:effectLst/>
-      </p:bgPr>
-    </p:bg>
-    <p:spTree>
-      <p:nvGrpSpPr>
-        <p:cNvPr id="1" name=""/>
-        <p:cNvGrpSpPr/>
-        <p:nvPr/>
-      </p:nvGrpSpPr>
-      <p:grpSpPr>
-        <a:xfrm>
-          <a:off x="0" y="0"/>
-          <a:ext cx="0" cy="0"/>
-          <a:chOff x="0" y="0"/>
-          <a:chExt cx="0" cy="0"/>
-        </a:xfrm>
-      </p:grpSpPr>
-      <p:sp>
-        <p:nvSpPr>
-          <p:cNvPr id="2" name="Title 1">
-            <a:extLst>
-              <a:ext uri="{FF2B5EF4-FFF2-40B4-BE49-F238E27FC236}">
-                <a16:creationId xmlns:a16="http://schemas.microsoft.com/office/drawing/2014/main" id="{6B7B5506-8EDB-D847-8FE9-3643EB4D4F62}"/>
-              </a:ext>
-            </a:extLst>
-          </p:cNvPr>
-          <p:cNvSpPr>
-            <a:spLocks noGrp="1"/>
-          </p:cNvSpPr>
-          <p:nvPr>
-            <p:ph type="title"/>
-          </p:nvPr>
-        </p:nvSpPr>
-        <p:spPr>
-          <a:xfrm>
-            <a:off x="394854" y="-63044"/>
-            <a:ext cx="9860769" cy="905743"/>
-          </a:xfrm>
-        </p:spPr>
-        <p:txBody>
-          <a:bodyPr>
-            <a:normAutofit/>
-          </a:bodyPr>
-          <a:lstStyle/>
-          <a:p>
-            <a:r>
-              <a:rPr lang="da-DK" dirty="0"/>
-              <a:t>UML i </a:t>
-            </a:r>
-            <a:r>
-              <a:rPr lang="da-DK" dirty="0" err="1"/>
-              <a:t>LaTeX</a:t>
-            </a:r>
-            <a:endParaRPr lang="da-DK" dirty="0"/>
-          </a:p>
-        </p:txBody>
-      </p:sp>
-      <p:pic>
-        <p:nvPicPr>
-          <p:cNvPr id="23" name="Picture 22">
-            <a:extLst>
-              <a:ext uri="{FF2B5EF4-FFF2-40B4-BE49-F238E27FC236}">
-                <a16:creationId xmlns:a16="http://schemas.microsoft.com/office/drawing/2014/main" id="{00E36336-C6B9-9049-8C26-B89E5F93A8F0}"/>
-              </a:ext>
-            </a:extLst>
-          </p:cNvPr>
-          <p:cNvPicPr>
-            <a:picLocks noChangeAspect="1"/>
-          </p:cNvPicPr>
-          <p:nvPr/>
-        </p:nvPicPr>
-        <p:blipFill>
-          <a:blip r:embed="rId2"/>
-          <a:stretch>
-            <a:fillRect/>
-          </a:stretch>
-        </p:blipFill>
-        <p:spPr>
-          <a:xfrm>
-            <a:off x="5898777" y="1292707"/>
-            <a:ext cx="5831840" cy="2542540"/>
-          </a:xfrm>
-          <a:prstGeom prst="rect">
-            <a:avLst/>
-          </a:prstGeom>
-          <a:ln>
-            <a:solidFill>
-              <a:schemeClr val="accent1"/>
-            </a:solidFill>
-          </a:ln>
-        </p:spPr>
-      </p:pic>
-      <p:sp>
-        <p:nvSpPr>
-          <p:cNvPr id="3" name="TextBox 2">
-            <a:extLst>
-              <a:ext uri="{FF2B5EF4-FFF2-40B4-BE49-F238E27FC236}">
-                <a16:creationId xmlns:a16="http://schemas.microsoft.com/office/drawing/2014/main" id="{5CA1A933-F928-BD4C-A92A-3703E5080AEF}"/>
-              </a:ext>
-            </a:extLst>
-          </p:cNvPr>
-          <p:cNvSpPr txBox="1"/>
-          <p:nvPr/>
-        </p:nvSpPr>
-        <p:spPr>
-          <a:xfrm>
-            <a:off x="599939" y="1292707"/>
-            <a:ext cx="4953600" cy="4801314"/>
-          </a:xfrm>
-          <a:prstGeom prst="rect">
-            <a:avLst/>
-          </a:prstGeom>
-          <a:noFill/>
-          <a:ln>
-            <a:solidFill>
-              <a:schemeClr val="accent1"/>
-            </a:solidFill>
-          </a:ln>
-        </p:spPr>
-        <p:txBody>
-          <a:bodyPr wrap="none" rtlCol="0">
-            <a:spAutoFit/>
-          </a:bodyPr>
-          <a:lstStyle/>
-          <a:p>
-            <a:r>
-              <a:rPr lang="en-GB" dirty="0"/>
-              <a:t>\</a:t>
-            </a:r>
-            <a:r>
-              <a:rPr lang="en-GB" dirty="0" err="1"/>
-              <a:t>documentclass</a:t>
-            </a:r>
-            <a:r>
-              <a:rPr lang="en-GB" dirty="0"/>
-              <a:t>{article}</a:t>
-            </a:r>
-          </a:p>
-          <a:p>
-            <a:r>
-              <a:rPr lang="en-GB" dirty="0"/>
-              <a:t>\</a:t>
-            </a:r>
-            <a:r>
-              <a:rPr lang="en-GB" dirty="0" err="1"/>
-              <a:t>usepackage</a:t>
-            </a:r>
-            <a:r>
-              <a:rPr lang="en-GB" dirty="0"/>
-              <a:t>[</a:t>
-            </a:r>
-            <a:r>
-              <a:rPr lang="en-GB" dirty="0" err="1"/>
-              <a:t>school,simplified</a:t>
-            </a:r>
-            <a:r>
-              <a:rPr lang="en-GB" dirty="0"/>
-              <a:t>]{</a:t>
-            </a:r>
-            <a:r>
-              <a:rPr lang="en-GB" dirty="0" err="1"/>
-              <a:t>pgf-umlcd</a:t>
-            </a:r>
-            <a:r>
-              <a:rPr lang="en-GB" dirty="0"/>
-              <a:t>}</a:t>
-            </a:r>
-          </a:p>
-          <a:p>
-            <a:endParaRPr lang="en-GB" dirty="0"/>
-          </a:p>
-          <a:p>
-            <a:r>
-              <a:rPr lang="en-GB" dirty="0"/>
-              <a:t>\begin{document}</a:t>
-            </a:r>
-          </a:p>
-          <a:p>
-            <a:r>
-              <a:rPr lang="en-GB" dirty="0"/>
-              <a:t>\begin{</a:t>
-            </a:r>
-            <a:r>
-              <a:rPr lang="en-GB" dirty="0" err="1"/>
-              <a:t>tikzpicture</a:t>
-            </a:r>
-            <a:r>
-              <a:rPr lang="en-GB" dirty="0"/>
-              <a:t>}</a:t>
-            </a:r>
-          </a:p>
-          <a:p>
-            <a:r>
-              <a:rPr lang="en-GB" dirty="0"/>
-              <a:t>  \begin{class}[text width=5cm]{animal}{0,0}</a:t>
-            </a:r>
-          </a:p>
-          <a:p>
-            <a:r>
-              <a:rPr lang="en-GB" dirty="0"/>
-              <a:t>  \end{class}</a:t>
-            </a:r>
-          </a:p>
-          <a:p>
-            <a:r>
-              <a:rPr lang="en-GB" dirty="0"/>
-              <a:t>  \begin{class}[text width=5cm]{moose}{-3,-2}</a:t>
-            </a:r>
-          </a:p>
-          <a:p>
-            <a:r>
-              <a:rPr lang="en-GB" dirty="0"/>
-              <a:t>    \inherit{animal}</a:t>
-            </a:r>
-          </a:p>
-          <a:p>
-            <a:r>
-              <a:rPr lang="en-GB" dirty="0"/>
-              <a:t>  \end{class}</a:t>
-            </a:r>
-          </a:p>
-          <a:p>
-            <a:r>
-              <a:rPr lang="en-GB" dirty="0"/>
-              <a:t>  \begin{class}[text width=5cm]{wolf}{3,-2}</a:t>
-            </a:r>
-          </a:p>
-          <a:p>
-            <a:r>
-              <a:rPr lang="en-GB" dirty="0"/>
-              <a:t>    \inherit{animal}</a:t>
-            </a:r>
-          </a:p>
-          <a:p>
-            <a:r>
-              <a:rPr lang="en-GB" dirty="0"/>
-              <a:t>  \end{class}</a:t>
-            </a:r>
-          </a:p>
-          <a:p>
-            <a:r>
-              <a:rPr lang="en-GB" dirty="0"/>
-              <a:t>  \begin{class}[text width=5cm]{environment}{0,-4}</a:t>
-            </a:r>
-          </a:p>
-          <a:p>
-            <a:r>
-              <a:rPr lang="en-GB" dirty="0"/>
-              <a:t>  \end{class}</a:t>
-            </a:r>
-          </a:p>
-          <a:p>
-            <a:r>
-              <a:rPr lang="en-GB" dirty="0"/>
-              <a:t>\end{</a:t>
-            </a:r>
-            <a:r>
-              <a:rPr lang="en-GB" dirty="0" err="1"/>
-              <a:t>tikzpicture</a:t>
-            </a:r>
-            <a:r>
-              <a:rPr lang="en-GB" dirty="0"/>
-              <a:t>}</a:t>
-            </a:r>
-          </a:p>
-          <a:p>
-            <a:r>
-              <a:rPr lang="en-GB" dirty="0"/>
-              <a:t>\end{document}</a:t>
-            </a:r>
-          </a:p>
-        </p:txBody>
-      </p:sp>
-    </p:spTree>
-    <p:extLst>
-      <p:ext uri="{BB962C8B-B14F-4D97-AF65-F5344CB8AC3E}">
-        <p14:creationId xmlns:p14="http://schemas.microsoft.com/office/powerpoint/2010/main" val="1368046164"/>
-      </p:ext>
-    </p:extLst>
-  </p:cSld>
-  <p:clrMapOvr>
-    <a:masterClrMapping/>
-  </p:clrMapOvr>
-</p:sld>
-</file>
-
-<file path=ppt/slides/slide4.xml><?xml version="1.0" encoding="utf-8"?>
-<p:sld xmlns:a="http://schemas.openxmlformats.org/drawingml/2006/main" xmlns:r="http://schemas.openxmlformats.org/officeDocument/2006/relationships" xmlns:p="http://schemas.openxmlformats.org/presentationml/2006/main">
-  <p:cSld>
-    <p:spTree>
-      <p:nvGrpSpPr>
-        <p:cNvPr id="1" name=""/>
-        <p:cNvGrpSpPr/>
-        <p:nvPr/>
-      </p:nvGrpSpPr>
-      <p:grpSpPr>
-        <a:xfrm>
-          <a:off x="0" y="0"/>
-          <a:ext cx="0" cy="0"/>
-          <a:chOff x="0" y="0"/>
-          <a:chExt cx="0" cy="0"/>
-        </a:xfrm>
-      </p:grpSpPr>
-      <p:sp>
-        <p:nvSpPr>
-          <p:cNvPr id="2" name="Title 1">
-            <a:extLst>
-              <a:ext uri="{FF2B5EF4-FFF2-40B4-BE49-F238E27FC236}">
-                <a16:creationId xmlns:a16="http://schemas.microsoft.com/office/drawing/2014/main" id="{3487E008-6D31-5A43-B5AF-BF660B8F7E2E}"/>
-              </a:ext>
-            </a:extLst>
-          </p:cNvPr>
-          <p:cNvSpPr>
-            <a:spLocks noGrp="1"/>
-          </p:cNvSpPr>
-          <p:nvPr>
-            <p:ph type="title"/>
-          </p:nvPr>
-        </p:nvSpPr>
-        <p:spPr/>
-        <p:txBody>
-          <a:bodyPr/>
-          <a:lstStyle/>
-          <a:p>
-            <a:r>
-              <a:rPr lang="en-GB" dirty="0" err="1"/>
-              <a:t>Associationer</a:t>
-            </a:r>
-            <a:endParaRPr lang="en-GB" dirty="0"/>
-          </a:p>
-        </p:txBody>
-      </p:sp>
-      <p:sp>
-        <p:nvSpPr>
-          <p:cNvPr id="3" name="Content Placeholder 2">
-            <a:extLst>
-              <a:ext uri="{FF2B5EF4-FFF2-40B4-BE49-F238E27FC236}">
-                <a16:creationId xmlns:a16="http://schemas.microsoft.com/office/drawing/2014/main" id="{878D0AC2-ED14-3D48-BE48-3F5572957793}"/>
-              </a:ext>
-            </a:extLst>
-          </p:cNvPr>
-          <p:cNvSpPr>
-            <a:spLocks noGrp="1"/>
-          </p:cNvSpPr>
-          <p:nvPr>
-            <p:ph idx="1"/>
-          </p:nvPr>
-        </p:nvSpPr>
-        <p:spPr/>
-        <p:txBody>
-          <a:bodyPr>
-            <a:normAutofit/>
-          </a:bodyPr>
-          <a:lstStyle/>
-          <a:p>
-            <a:r>
-              <a:rPr lang="da-DK" dirty="0"/>
-              <a:t>Association </a:t>
-            </a:r>
-            <a:br>
-              <a:rPr lang="da-DK" dirty="0"/>
-            </a:br>
-            <a:r>
-              <a:rPr lang="da-DK" dirty="0"/>
-              <a:t>Host ’kender til’ gæst </a:t>
-            </a:r>
-          </a:p>
-          <a:p>
-            <a:r>
-              <a:rPr lang="da-DK" dirty="0" err="1"/>
-              <a:t>Aggregation</a:t>
-            </a:r>
-            <a:r>
-              <a:rPr lang="da-DK" dirty="0"/>
-              <a:t> </a:t>
-            </a:r>
-            <a:br>
-              <a:rPr lang="da-DK" dirty="0"/>
-            </a:br>
-            <a:r>
-              <a:rPr lang="da-DK" dirty="0"/>
-              <a:t>Host ’har kopi af’ gæst </a:t>
-            </a:r>
-          </a:p>
-          <a:p>
-            <a:r>
-              <a:rPr lang="da-DK" dirty="0" err="1"/>
-              <a:t>Composition</a:t>
-            </a:r>
-            <a:r>
-              <a:rPr lang="da-DK" dirty="0"/>
-              <a:t> </a:t>
-            </a:r>
-            <a:br>
-              <a:rPr lang="da-DK" dirty="0"/>
-            </a:br>
-            <a:r>
-              <a:rPr lang="da-DK" dirty="0"/>
-              <a:t>Host ’opretter afhængig og har kopi af’ gæst. </a:t>
-            </a:r>
-            <a:r>
-              <a:rPr lang="da-DK" dirty="0" err="1"/>
-              <a:t>Når</a:t>
-            </a:r>
-            <a:r>
-              <a:rPr lang="da-DK" dirty="0"/>
-              <a:t> host slettes slettes gæst </a:t>
-            </a:r>
-            <a:r>
-              <a:rPr lang="da-DK" dirty="0" err="1"/>
-              <a:t>ligesa</a:t>
-            </a:r>
-            <a:r>
-              <a:rPr lang="da-DK" dirty="0"/>
-              <a:t>̊. </a:t>
-            </a:r>
-          </a:p>
-          <a:p>
-            <a:endParaRPr lang="en-GB" dirty="0"/>
-          </a:p>
-        </p:txBody>
-      </p:sp>
-    </p:spTree>
-    <p:extLst>
-      <p:ext uri="{BB962C8B-B14F-4D97-AF65-F5344CB8AC3E}">
-        <p14:creationId xmlns:p14="http://schemas.microsoft.com/office/powerpoint/2010/main" val="3714348307"/>
-      </p:ext>
-    </p:extLst>
-  </p:cSld>
-  <p:clrMapOvr>
-    <a:masterClrMapping/>
-  </p:clrMapOvr>
-</p:sld>
-</file>
-
-<file path=ppt/slides/slide5.xml><?xml version="1.0" encoding="utf-8"?>
-<p:sld xmlns:a="http://schemas.openxmlformats.org/drawingml/2006/main" xmlns:r="http://schemas.openxmlformats.org/officeDocument/2006/relationships" xmlns:p="http://schemas.openxmlformats.org/presentationml/2006/main">
-  <p:cSld>
-    <p:spTree>
-      <p:nvGrpSpPr>
-        <p:cNvPr id="1" name=""/>
-        <p:cNvGrpSpPr/>
-        <p:nvPr/>
-      </p:nvGrpSpPr>
-      <p:grpSpPr>
-        <a:xfrm>
-          <a:off x="0" y="0"/>
-          <a:ext cx="0" cy="0"/>
-          <a:chOff x="0" y="0"/>
-          <a:chExt cx="0" cy="0"/>
-        </a:xfrm>
-      </p:grpSpPr>
-      <p:sp>
-        <p:nvSpPr>
-          <p:cNvPr id="2" name="Title 1">
-            <a:extLst>
-              <a:ext uri="{FF2B5EF4-FFF2-40B4-BE49-F238E27FC236}">
-                <a16:creationId xmlns:a16="http://schemas.microsoft.com/office/drawing/2014/main" id="{4DD56F80-2727-3440-BFBB-EDCA6F2FCFF4}"/>
-              </a:ext>
-            </a:extLst>
-          </p:cNvPr>
-          <p:cNvSpPr>
-            <a:spLocks noGrp="1"/>
-          </p:cNvSpPr>
-          <p:nvPr>
-            <p:ph type="title"/>
-          </p:nvPr>
-        </p:nvSpPr>
-        <p:spPr/>
-        <p:txBody>
-          <a:bodyPr/>
-          <a:lstStyle/>
-          <a:p>
-            <a:r>
-              <a:rPr lang="en-GB" dirty="0" err="1"/>
-              <a:t>Komposition</a:t>
-            </a:r>
-            <a:r>
-              <a:rPr lang="en-GB" dirty="0"/>
-              <a:t>: ‘</a:t>
-            </a:r>
-            <a:r>
-              <a:rPr lang="en-GB" dirty="0" err="1"/>
-              <a:t>Ejer</a:t>
-            </a:r>
-            <a:r>
-              <a:rPr lang="en-GB" dirty="0"/>
-              <a:t> </a:t>
-            </a:r>
-            <a:r>
-              <a:rPr lang="en-GB" dirty="0" err="1"/>
-              <a:t>objekt</a:t>
-            </a:r>
-            <a:r>
-              <a:rPr lang="en-GB" dirty="0"/>
-              <a:t>’</a:t>
-            </a:r>
-          </a:p>
-        </p:txBody>
-      </p:sp>
-      <p:pic>
-        <p:nvPicPr>
-          <p:cNvPr id="4" name="Picture 3">
-            <a:extLst>
-              <a:ext uri="{FF2B5EF4-FFF2-40B4-BE49-F238E27FC236}">
-                <a16:creationId xmlns:a16="http://schemas.microsoft.com/office/drawing/2014/main" id="{175BD403-24CC-FA49-AFF6-C80C07738D02}"/>
-              </a:ext>
-            </a:extLst>
-          </p:cNvPr>
-          <p:cNvPicPr>
-            <a:picLocks noChangeAspect="1"/>
-          </p:cNvPicPr>
-          <p:nvPr/>
-        </p:nvPicPr>
-        <p:blipFill>
-          <a:blip r:embed="rId2"/>
-          <a:stretch>
-            <a:fillRect/>
-          </a:stretch>
-        </p:blipFill>
-        <p:spPr>
-          <a:xfrm>
-            <a:off x="2576606" y="2429062"/>
-            <a:ext cx="6362700" cy="2838450"/>
+            <a:off x="7495240" y="658905"/>
+            <a:ext cx="3226547" cy="5636247"/>
           </a:xfrm>
           <a:prstGeom prst="rect">
             <a:avLst/>
@@ -9655,856 +9699,7 @@
     </p:spTree>
     <p:extLst>
       <p:ext uri="{BB962C8B-B14F-4D97-AF65-F5344CB8AC3E}">
-        <p14:creationId xmlns:p14="http://schemas.microsoft.com/office/powerpoint/2010/main" val="523177301"/>
-      </p:ext>
-    </p:extLst>
-  </p:cSld>
-  <p:clrMapOvr>
-    <a:masterClrMapping/>
-  </p:clrMapOvr>
-</p:sld>
-</file>
-
-<file path=ppt/slides/slide6.xml><?xml version="1.0" encoding="utf-8"?>
-<p:sld xmlns:a="http://schemas.openxmlformats.org/drawingml/2006/main" xmlns:r="http://schemas.openxmlformats.org/officeDocument/2006/relationships" xmlns:p="http://schemas.openxmlformats.org/presentationml/2006/main">
-  <p:cSld>
-    <p:spTree>
-      <p:nvGrpSpPr>
-        <p:cNvPr id="1" name=""/>
-        <p:cNvGrpSpPr/>
-        <p:nvPr/>
-      </p:nvGrpSpPr>
-      <p:grpSpPr>
-        <a:xfrm>
-          <a:off x="0" y="0"/>
-          <a:ext cx="0" cy="0"/>
-          <a:chOff x="0" y="0"/>
-          <a:chExt cx="0" cy="0"/>
-        </a:xfrm>
-      </p:grpSpPr>
-      <p:sp>
-        <p:nvSpPr>
-          <p:cNvPr id="2" name="Title 1">
-            <a:extLst>
-              <a:ext uri="{FF2B5EF4-FFF2-40B4-BE49-F238E27FC236}">
-                <a16:creationId xmlns:a16="http://schemas.microsoft.com/office/drawing/2014/main" id="{4DD56F80-2727-3440-BFBB-EDCA6F2FCFF4}"/>
-              </a:ext>
-            </a:extLst>
-          </p:cNvPr>
-          <p:cNvSpPr>
-            <a:spLocks noGrp="1"/>
-          </p:cNvSpPr>
-          <p:nvPr>
-            <p:ph type="title"/>
-          </p:nvPr>
-        </p:nvSpPr>
-        <p:spPr>
-          <a:xfrm>
-            <a:off x="571500" y="101197"/>
-            <a:ext cx="10515600" cy="1325563"/>
-          </a:xfrm>
-        </p:spPr>
-        <p:txBody>
-          <a:bodyPr/>
-          <a:lstStyle/>
-          <a:p>
-            <a:r>
-              <a:rPr lang="en-GB" dirty="0" err="1"/>
-              <a:t>Associationer</a:t>
-            </a:r>
-            <a:r>
-              <a:rPr lang="en-GB" dirty="0"/>
-              <a:t> </a:t>
-            </a:r>
-            <a:r>
-              <a:rPr lang="en-GB" dirty="0" err="1"/>
-              <a:t>i</a:t>
-            </a:r>
-            <a:r>
-              <a:rPr lang="en-GB" dirty="0"/>
-              <a:t> </a:t>
-            </a:r>
-            <a:r>
-              <a:rPr lang="en-GB" dirty="0" err="1"/>
-              <a:t>LaTeX</a:t>
-            </a:r>
-            <a:endParaRPr lang="en-GB" dirty="0"/>
-          </a:p>
-        </p:txBody>
-      </p:sp>
-      <p:pic>
-        <p:nvPicPr>
-          <p:cNvPr id="4" name="Picture 3">
-            <a:extLst>
-              <a:ext uri="{FF2B5EF4-FFF2-40B4-BE49-F238E27FC236}">
-                <a16:creationId xmlns:a16="http://schemas.microsoft.com/office/drawing/2014/main" id="{175BD403-24CC-FA49-AFF6-C80C07738D02}"/>
-              </a:ext>
-            </a:extLst>
-          </p:cNvPr>
-          <p:cNvPicPr>
-            <a:picLocks noChangeAspect="1"/>
-          </p:cNvPicPr>
-          <p:nvPr/>
-        </p:nvPicPr>
-        <p:blipFill>
-          <a:blip r:embed="rId2"/>
-          <a:stretch>
-            <a:fillRect/>
-          </a:stretch>
-        </p:blipFill>
-        <p:spPr>
-          <a:xfrm>
-            <a:off x="5829300" y="1292707"/>
-            <a:ext cx="6362700" cy="2838450"/>
-          </a:xfrm>
-          <a:prstGeom prst="rect">
-            <a:avLst/>
-          </a:prstGeom>
-        </p:spPr>
-      </p:pic>
-      <p:sp>
-        <p:nvSpPr>
-          <p:cNvPr id="5" name="TextBox 4">
-            <a:extLst>
-              <a:ext uri="{FF2B5EF4-FFF2-40B4-BE49-F238E27FC236}">
-                <a16:creationId xmlns:a16="http://schemas.microsoft.com/office/drawing/2014/main" id="{8F971644-8966-0B4E-9279-D4A822D4BE39}"/>
-              </a:ext>
-            </a:extLst>
-          </p:cNvPr>
-          <p:cNvSpPr txBox="1"/>
-          <p:nvPr/>
-        </p:nvSpPr>
-        <p:spPr>
-          <a:xfrm>
-            <a:off x="599939" y="1292707"/>
-            <a:ext cx="5060488" cy="5355312"/>
-          </a:xfrm>
-          <a:prstGeom prst="rect">
-            <a:avLst/>
-          </a:prstGeom>
-          <a:noFill/>
-          <a:ln>
-            <a:solidFill>
-              <a:schemeClr val="accent1"/>
-            </a:solidFill>
-          </a:ln>
-        </p:spPr>
-        <p:txBody>
-          <a:bodyPr wrap="none" rtlCol="0">
-            <a:spAutoFit/>
-          </a:bodyPr>
-          <a:lstStyle/>
-          <a:p>
-            <a:r>
-              <a:rPr lang="en-GB" dirty="0"/>
-              <a:t>\</a:t>
-            </a:r>
-            <a:r>
-              <a:rPr lang="en-GB" dirty="0" err="1"/>
-              <a:t>documentclass</a:t>
-            </a:r>
-            <a:r>
-              <a:rPr lang="en-GB" dirty="0"/>
-              <a:t>{article}</a:t>
-            </a:r>
-          </a:p>
-          <a:p>
-            <a:r>
-              <a:rPr lang="en-GB" dirty="0"/>
-              <a:t>\</a:t>
-            </a:r>
-            <a:r>
-              <a:rPr lang="en-GB" dirty="0" err="1"/>
-              <a:t>usepackage</a:t>
-            </a:r>
-            <a:r>
-              <a:rPr lang="en-GB" dirty="0"/>
-              <a:t>[</a:t>
-            </a:r>
-            <a:r>
-              <a:rPr lang="en-GB" dirty="0" err="1"/>
-              <a:t>school,simplified</a:t>
-            </a:r>
-            <a:r>
-              <a:rPr lang="en-GB" dirty="0"/>
-              <a:t>]{</a:t>
-            </a:r>
-            <a:r>
-              <a:rPr lang="en-GB" dirty="0" err="1"/>
-              <a:t>pgf-umlcd</a:t>
-            </a:r>
-            <a:r>
-              <a:rPr lang="en-GB" dirty="0"/>
-              <a:t>}</a:t>
-            </a:r>
-          </a:p>
-          <a:p>
-            <a:endParaRPr lang="en-GB" dirty="0"/>
-          </a:p>
-          <a:p>
-            <a:r>
-              <a:rPr lang="en-GB" dirty="0"/>
-              <a:t>\begin{document}</a:t>
-            </a:r>
-          </a:p>
-          <a:p>
-            <a:r>
-              <a:rPr lang="en-GB" dirty="0"/>
-              <a:t>\begin{</a:t>
-            </a:r>
-            <a:r>
-              <a:rPr lang="en-GB" dirty="0" err="1"/>
-              <a:t>tikzpicture</a:t>
-            </a:r>
-            <a:r>
-              <a:rPr lang="en-GB" dirty="0"/>
-              <a:t>}</a:t>
-            </a:r>
-          </a:p>
-          <a:p>
-            <a:r>
-              <a:rPr lang="en-GB" dirty="0"/>
-              <a:t>  \begin{class}[text width=5cm]{animal}{0,0}</a:t>
-            </a:r>
-          </a:p>
-          <a:p>
-            <a:r>
-              <a:rPr lang="en-GB" dirty="0"/>
-              <a:t>  \end{class}</a:t>
-            </a:r>
-          </a:p>
-          <a:p>
-            <a:r>
-              <a:rPr lang="en-GB" dirty="0"/>
-              <a:t>  \begin{class}[text width=5cm]{moose}{-3,-2}</a:t>
-            </a:r>
-          </a:p>
-          <a:p>
-            <a:r>
-              <a:rPr lang="en-GB" dirty="0"/>
-              <a:t>    \inherit{animal}</a:t>
-            </a:r>
-          </a:p>
-          <a:p>
-            <a:r>
-              <a:rPr lang="en-GB" dirty="0"/>
-              <a:t>  \end{class}</a:t>
-            </a:r>
-          </a:p>
-          <a:p>
-            <a:r>
-              <a:rPr lang="en-GB" dirty="0"/>
-              <a:t>  \begin{class}[text width=5cm]{wolf}{3,-2}</a:t>
-            </a:r>
-          </a:p>
-          <a:p>
-            <a:r>
-              <a:rPr lang="en-GB" dirty="0"/>
-              <a:t>    \inherit{animal}</a:t>
-            </a:r>
-          </a:p>
-          <a:p>
-            <a:r>
-              <a:rPr lang="en-GB" dirty="0"/>
-              <a:t>  \end{class}</a:t>
-            </a:r>
-          </a:p>
-          <a:p>
-            <a:r>
-              <a:rPr lang="en-GB" dirty="0"/>
-              <a:t>  \begin{class}[text width=5cm]{environment}{0,-4}</a:t>
-            </a:r>
-          </a:p>
-          <a:p>
-            <a:r>
-              <a:rPr lang="en-GB" dirty="0"/>
-              <a:t>  \end{class}</a:t>
-            </a:r>
-          </a:p>
-          <a:p>
-            <a:r>
-              <a:rPr lang="en-GB" dirty="0"/>
-              <a:t>  \composition{environment}{}{}{moose}</a:t>
-            </a:r>
-          </a:p>
-          <a:p>
-            <a:r>
-              <a:rPr lang="en-GB" dirty="0"/>
-              <a:t>  \composition{environment}{}{}{wolf}</a:t>
-            </a:r>
-          </a:p>
-          <a:p>
-            <a:r>
-              <a:rPr lang="en-GB" dirty="0"/>
-              <a:t>\end{</a:t>
-            </a:r>
-            <a:r>
-              <a:rPr lang="en-GB" dirty="0" err="1"/>
-              <a:t>tikzpicture</a:t>
-            </a:r>
-            <a:r>
-              <a:rPr lang="en-GB" dirty="0"/>
-              <a:t>}</a:t>
-            </a:r>
-          </a:p>
-          <a:p>
-            <a:r>
-              <a:rPr lang="en-GB" dirty="0"/>
-              <a:t>\end{document}</a:t>
-            </a:r>
-          </a:p>
-        </p:txBody>
-      </p:sp>
-    </p:spTree>
-    <p:extLst>
-      <p:ext uri="{BB962C8B-B14F-4D97-AF65-F5344CB8AC3E}">
-        <p14:creationId xmlns:p14="http://schemas.microsoft.com/office/powerpoint/2010/main" val="1061029940"/>
-      </p:ext>
-    </p:extLst>
-  </p:cSld>
-  <p:clrMapOvr>
-    <a:masterClrMapping/>
-  </p:clrMapOvr>
-</p:sld>
-</file>
-
-<file path=ppt/slides/slide7.xml><?xml version="1.0" encoding="utf-8"?>
-<p:sld xmlns:a="http://schemas.openxmlformats.org/drawingml/2006/main" xmlns:r="http://schemas.openxmlformats.org/officeDocument/2006/relationships" xmlns:p="http://schemas.openxmlformats.org/presentationml/2006/main">
-  <p:cSld>
-    <p:spTree>
-      <p:nvGrpSpPr>
-        <p:cNvPr id="1" name=""/>
-        <p:cNvGrpSpPr/>
-        <p:nvPr/>
-      </p:nvGrpSpPr>
-      <p:grpSpPr>
-        <a:xfrm>
-          <a:off x="0" y="0"/>
-          <a:ext cx="0" cy="0"/>
-          <a:chOff x="0" y="0"/>
-          <a:chExt cx="0" cy="0"/>
-        </a:xfrm>
-      </p:grpSpPr>
-      <p:sp>
-        <p:nvSpPr>
-          <p:cNvPr id="2" name="Title 1">
-            <a:extLst>
-              <a:ext uri="{FF2B5EF4-FFF2-40B4-BE49-F238E27FC236}">
-                <a16:creationId xmlns:a16="http://schemas.microsoft.com/office/drawing/2014/main" id="{4C3459D4-A895-7645-B68C-325D8478CA88}"/>
-              </a:ext>
-            </a:extLst>
-          </p:cNvPr>
-          <p:cNvSpPr>
-            <a:spLocks noGrp="1"/>
-          </p:cNvSpPr>
-          <p:nvPr>
-            <p:ph type="title"/>
-          </p:nvPr>
-        </p:nvSpPr>
-        <p:spPr/>
-        <p:txBody>
-          <a:bodyPr/>
-          <a:lstStyle/>
-          <a:p>
-            <a:r>
-              <a:rPr lang="en-GB" dirty="0" err="1"/>
-              <a:t>Relationsgrafik</a:t>
-            </a:r>
-            <a:endParaRPr lang="en-GB" dirty="0"/>
-          </a:p>
-        </p:txBody>
-      </p:sp>
-      <p:pic>
-        <p:nvPicPr>
-          <p:cNvPr id="4" name="Picture 3">
-            <a:extLst>
-              <a:ext uri="{FF2B5EF4-FFF2-40B4-BE49-F238E27FC236}">
-                <a16:creationId xmlns:a16="http://schemas.microsoft.com/office/drawing/2014/main" id="{D9D6C4E6-06B3-4C41-8F96-404F7AF65F64}"/>
-              </a:ext>
-            </a:extLst>
-          </p:cNvPr>
-          <p:cNvPicPr>
-            <a:picLocks noChangeAspect="1"/>
-          </p:cNvPicPr>
-          <p:nvPr/>
-        </p:nvPicPr>
-        <p:blipFill>
-          <a:blip r:embed="rId2"/>
-          <a:stretch>
-            <a:fillRect/>
-          </a:stretch>
-        </p:blipFill>
-        <p:spPr>
-          <a:xfrm>
-            <a:off x="1334994" y="2261719"/>
-            <a:ext cx="9100568" cy="3726703"/>
-          </a:xfrm>
-          <a:prstGeom prst="rect">
-            <a:avLst/>
-          </a:prstGeom>
-        </p:spPr>
-      </p:pic>
-    </p:spTree>
-    <p:extLst>
-      <p:ext uri="{BB962C8B-B14F-4D97-AF65-F5344CB8AC3E}">
-        <p14:creationId xmlns:p14="http://schemas.microsoft.com/office/powerpoint/2010/main" val="800765970"/>
-      </p:ext>
-    </p:extLst>
-  </p:cSld>
-  <p:clrMapOvr>
-    <a:masterClrMapping/>
-  </p:clrMapOvr>
-</p:sld>
-</file>
-
-<file path=ppt/slides/slide8.xml><?xml version="1.0" encoding="utf-8"?>
-<p:sld xmlns:a="http://schemas.openxmlformats.org/drawingml/2006/main" xmlns:r="http://schemas.openxmlformats.org/officeDocument/2006/relationships" xmlns:p="http://schemas.openxmlformats.org/presentationml/2006/main">
-  <p:cSld>
-    <p:spTree>
-      <p:nvGrpSpPr>
-        <p:cNvPr id="1" name=""/>
-        <p:cNvGrpSpPr/>
-        <p:nvPr/>
-      </p:nvGrpSpPr>
-      <p:grpSpPr>
-        <a:xfrm>
-          <a:off x="0" y="0"/>
-          <a:ext cx="0" cy="0"/>
-          <a:chOff x="0" y="0"/>
-          <a:chExt cx="0" cy="0"/>
-        </a:xfrm>
-      </p:grpSpPr>
-      <p:sp>
-        <p:nvSpPr>
-          <p:cNvPr id="2" name="Title 1">
-            <a:extLst>
-              <a:ext uri="{FF2B5EF4-FFF2-40B4-BE49-F238E27FC236}">
-                <a16:creationId xmlns:a16="http://schemas.microsoft.com/office/drawing/2014/main" id="{AB6D9F05-D26E-6843-8827-D2C486952B39}"/>
-              </a:ext>
-            </a:extLst>
-          </p:cNvPr>
-          <p:cNvSpPr>
-            <a:spLocks noGrp="1"/>
-          </p:cNvSpPr>
-          <p:nvPr>
-            <p:ph type="title"/>
-          </p:nvPr>
-        </p:nvSpPr>
-        <p:spPr/>
-        <p:txBody>
-          <a:bodyPr/>
-          <a:lstStyle/>
-          <a:p>
-            <a:r>
-              <a:rPr lang="en-GB" dirty="0" err="1"/>
-              <a:t>Egenskaber</a:t>
-            </a:r>
-            <a:r>
-              <a:rPr lang="en-GB" dirty="0"/>
-              <a:t> </a:t>
-            </a:r>
-            <a:r>
-              <a:rPr lang="en-GB" dirty="0" err="1"/>
-              <a:t>og</a:t>
-            </a:r>
-            <a:r>
-              <a:rPr lang="en-GB" dirty="0"/>
-              <a:t> </a:t>
-            </a:r>
-            <a:r>
-              <a:rPr lang="en-GB" dirty="0" err="1"/>
-              <a:t>metoder</a:t>
-            </a:r>
-            <a:endParaRPr lang="en-GB" dirty="0"/>
-          </a:p>
-        </p:txBody>
-      </p:sp>
-      <p:pic>
-        <p:nvPicPr>
-          <p:cNvPr id="4" name="Picture 3">
-            <a:extLst>
-              <a:ext uri="{FF2B5EF4-FFF2-40B4-BE49-F238E27FC236}">
-                <a16:creationId xmlns:a16="http://schemas.microsoft.com/office/drawing/2014/main" id="{7D57F37E-9031-6445-8EF7-8184F174E5C9}"/>
-              </a:ext>
-            </a:extLst>
-          </p:cNvPr>
-          <p:cNvPicPr>
-            <a:picLocks noChangeAspect="1"/>
-          </p:cNvPicPr>
-          <p:nvPr/>
-        </p:nvPicPr>
-        <p:blipFill>
-          <a:blip r:embed="rId2"/>
-          <a:stretch>
-            <a:fillRect/>
-          </a:stretch>
-        </p:blipFill>
-        <p:spPr>
-          <a:xfrm>
-            <a:off x="1231227" y="1825625"/>
-            <a:ext cx="10122573" cy="3867428"/>
-          </a:xfrm>
-          <a:prstGeom prst="rect">
-            <a:avLst/>
-          </a:prstGeom>
-        </p:spPr>
-      </p:pic>
-    </p:spTree>
-    <p:extLst>
-      <p:ext uri="{BB962C8B-B14F-4D97-AF65-F5344CB8AC3E}">
-        <p14:creationId xmlns:p14="http://schemas.microsoft.com/office/powerpoint/2010/main" val="392787530"/>
-      </p:ext>
-    </p:extLst>
-  </p:cSld>
-  <p:clrMapOvr>
-    <a:masterClrMapping/>
-  </p:clrMapOvr>
-</p:sld>
-</file>
-
-<file path=ppt/slides/slide9.xml><?xml version="1.0" encoding="utf-8"?>
-<p:sld xmlns:a="http://schemas.openxmlformats.org/drawingml/2006/main" xmlns:r="http://schemas.openxmlformats.org/officeDocument/2006/relationships" xmlns:p="http://schemas.openxmlformats.org/presentationml/2006/main">
-  <p:cSld>
-    <p:spTree>
-      <p:nvGrpSpPr>
-        <p:cNvPr id="1" name=""/>
-        <p:cNvGrpSpPr/>
-        <p:nvPr/>
-      </p:nvGrpSpPr>
-      <p:grpSpPr>
-        <a:xfrm>
-          <a:off x="0" y="0"/>
-          <a:ext cx="0" cy="0"/>
-          <a:chOff x="0" y="0"/>
-          <a:chExt cx="0" cy="0"/>
-        </a:xfrm>
-      </p:grpSpPr>
-      <p:sp>
-        <p:nvSpPr>
-          <p:cNvPr id="2" name="Title 1">
-            <a:extLst>
-              <a:ext uri="{FF2B5EF4-FFF2-40B4-BE49-F238E27FC236}">
-                <a16:creationId xmlns:a16="http://schemas.microsoft.com/office/drawing/2014/main" id="{AB6D9F05-D26E-6843-8827-D2C486952B39}"/>
-              </a:ext>
-            </a:extLst>
-          </p:cNvPr>
-          <p:cNvSpPr>
-            <a:spLocks noGrp="1"/>
-          </p:cNvSpPr>
-          <p:nvPr>
-            <p:ph type="title"/>
-          </p:nvPr>
-        </p:nvSpPr>
-        <p:spPr/>
-        <p:txBody>
-          <a:bodyPr/>
-          <a:lstStyle/>
-          <a:p>
-            <a:r>
-              <a:rPr lang="en-GB" dirty="0" err="1"/>
-              <a:t>Egenskaber</a:t>
-            </a:r>
-            <a:r>
-              <a:rPr lang="en-GB" dirty="0"/>
-              <a:t> </a:t>
-            </a:r>
-            <a:r>
-              <a:rPr lang="en-GB" dirty="0" err="1"/>
-              <a:t>og</a:t>
-            </a:r>
-            <a:r>
-              <a:rPr lang="en-GB" dirty="0"/>
-              <a:t> </a:t>
-            </a:r>
-            <a:r>
-              <a:rPr lang="en-GB" dirty="0" err="1"/>
-              <a:t>metoder</a:t>
-            </a:r>
-            <a:r>
-              <a:rPr lang="en-GB" dirty="0"/>
-              <a:t> </a:t>
-            </a:r>
-            <a:r>
-              <a:rPr lang="en-GB" dirty="0" err="1"/>
-              <a:t>i</a:t>
-            </a:r>
-            <a:r>
-              <a:rPr lang="en-GB" dirty="0"/>
-              <a:t> </a:t>
-            </a:r>
-            <a:r>
-              <a:rPr lang="en-GB" dirty="0" err="1"/>
-              <a:t>LaTeX</a:t>
-            </a:r>
-            <a:endParaRPr lang="en-GB" dirty="0"/>
-          </a:p>
-        </p:txBody>
-      </p:sp>
-      <p:pic>
-        <p:nvPicPr>
-          <p:cNvPr id="4" name="Picture 3">
-            <a:extLst>
-              <a:ext uri="{FF2B5EF4-FFF2-40B4-BE49-F238E27FC236}">
-                <a16:creationId xmlns:a16="http://schemas.microsoft.com/office/drawing/2014/main" id="{7D57F37E-9031-6445-8EF7-8184F174E5C9}"/>
-              </a:ext>
-            </a:extLst>
-          </p:cNvPr>
-          <p:cNvPicPr>
-            <a:picLocks noChangeAspect="1"/>
-          </p:cNvPicPr>
-          <p:nvPr/>
-        </p:nvPicPr>
-        <p:blipFill>
-          <a:blip r:embed="rId2"/>
-          <a:stretch>
-            <a:fillRect/>
-          </a:stretch>
-        </p:blipFill>
-        <p:spPr>
-          <a:xfrm>
-            <a:off x="6954075" y="1934489"/>
-            <a:ext cx="5076564" cy="1939551"/>
-          </a:xfrm>
-          <a:prstGeom prst="rect">
-            <a:avLst/>
-          </a:prstGeom>
-        </p:spPr>
-      </p:pic>
-      <p:sp>
-        <p:nvSpPr>
-          <p:cNvPr id="5" name="TextBox 4">
-            <a:extLst>
-              <a:ext uri="{FF2B5EF4-FFF2-40B4-BE49-F238E27FC236}">
-                <a16:creationId xmlns:a16="http://schemas.microsoft.com/office/drawing/2014/main" id="{E1F96693-19E4-D447-A146-1F829413CEC1}"/>
-              </a:ext>
-            </a:extLst>
-          </p:cNvPr>
-          <p:cNvSpPr txBox="1"/>
-          <p:nvPr/>
-        </p:nvSpPr>
-        <p:spPr>
-          <a:xfrm>
-            <a:off x="658390" y="1934489"/>
-            <a:ext cx="5618846" cy="4524315"/>
-          </a:xfrm>
-          <a:prstGeom prst="rect">
-            <a:avLst/>
-          </a:prstGeom>
-          <a:noFill/>
-          <a:ln>
-            <a:solidFill>
-              <a:schemeClr val="accent1"/>
-            </a:solidFill>
-          </a:ln>
-        </p:spPr>
-        <p:txBody>
-          <a:bodyPr wrap="none" rtlCol="0">
-            <a:spAutoFit/>
-          </a:bodyPr>
-          <a:lstStyle/>
-          <a:p>
-            <a:r>
-              <a:rPr lang="en-GB" dirty="0"/>
-              <a:t>\</a:t>
-            </a:r>
-            <a:r>
-              <a:rPr lang="en-GB" dirty="0" err="1"/>
-              <a:t>documentclass</a:t>
-            </a:r>
-            <a:r>
-              <a:rPr lang="en-GB" dirty="0"/>
-              <a:t>{article}</a:t>
-            </a:r>
-          </a:p>
-          <a:p>
-            <a:r>
-              <a:rPr lang="en-GB" dirty="0"/>
-              <a:t>\</a:t>
-            </a:r>
-            <a:r>
-              <a:rPr lang="en-GB" dirty="0" err="1"/>
-              <a:t>usepackage</a:t>
-            </a:r>
-            <a:r>
-              <a:rPr lang="en-GB" dirty="0"/>
-              <a:t>[</a:t>
-            </a:r>
-            <a:r>
-              <a:rPr lang="en-GB" dirty="0" err="1"/>
-              <a:t>school,simplified</a:t>
-            </a:r>
-            <a:r>
-              <a:rPr lang="en-GB" dirty="0"/>
-              <a:t>]{</a:t>
-            </a:r>
-            <a:r>
-              <a:rPr lang="en-GB" dirty="0" err="1"/>
-              <a:t>pgf-umlcd</a:t>
-            </a:r>
-            <a:r>
-              <a:rPr lang="en-GB" dirty="0"/>
-              <a:t>}</a:t>
-            </a:r>
-          </a:p>
-          <a:p>
-            <a:endParaRPr lang="en-GB" dirty="0"/>
-          </a:p>
-          <a:p>
-            <a:r>
-              <a:rPr lang="en-GB" dirty="0"/>
-              <a:t>\begin{document}</a:t>
-            </a:r>
-          </a:p>
-          <a:p>
-            <a:r>
-              <a:rPr lang="en-GB" dirty="0"/>
-              <a:t>\begin{</a:t>
-            </a:r>
-            <a:r>
-              <a:rPr lang="en-GB" dirty="0" err="1"/>
-              <a:t>tikzpicture</a:t>
-            </a:r>
-            <a:r>
-              <a:rPr lang="en-GB" dirty="0"/>
-              <a:t>}</a:t>
-            </a:r>
-          </a:p>
-          <a:p>
-            <a:r>
-              <a:rPr lang="en-GB" dirty="0"/>
-              <a:t>  \begin{class}[text width=10cm]{animal}{0,0}</a:t>
-            </a:r>
-          </a:p>
-          <a:p>
-            <a:r>
-              <a:rPr lang="en-GB" dirty="0"/>
-              <a:t>    \attribute{symbol : symbol}</a:t>
-            </a:r>
-          </a:p>
-          <a:p>
-            <a:r>
-              <a:rPr lang="en-GB" dirty="0"/>
-              <a:t>    \attribute{position : position option with set}</a:t>
-            </a:r>
-          </a:p>
-          <a:p>
-            <a:r>
-              <a:rPr lang="en-GB" dirty="0"/>
-              <a:t>    \attribute{reproduction : </a:t>
-            </a:r>
-            <a:r>
-              <a:rPr lang="en-GB" dirty="0" err="1"/>
-              <a:t>int</a:t>
-            </a:r>
-            <a:r>
-              <a:rPr lang="en-GB" dirty="0"/>
-              <a:t>}</a:t>
-            </a:r>
-          </a:p>
-          <a:p>
-            <a:r>
-              <a:rPr lang="en-GB" dirty="0"/>
-              <a:t>    \operation{new (</a:t>
-            </a:r>
-            <a:r>
-              <a:rPr lang="en-GB" dirty="0" err="1"/>
-              <a:t>symb</a:t>
-            </a:r>
-            <a:r>
-              <a:rPr lang="en-GB" dirty="0"/>
-              <a:t> * </a:t>
-            </a:r>
-            <a:r>
-              <a:rPr lang="en-GB" dirty="0" err="1"/>
-              <a:t>repLen</a:t>
-            </a:r>
-            <a:r>
-              <a:rPr lang="en-GB" dirty="0"/>
-              <a:t> : symbol * </a:t>
-            </a:r>
-            <a:r>
-              <a:rPr lang="en-GB" dirty="0" err="1"/>
-              <a:t>int</a:t>
-            </a:r>
-            <a:r>
-              <a:rPr lang="en-GB" dirty="0"/>
-              <a:t>) : animal}</a:t>
-            </a:r>
-          </a:p>
-          <a:p>
-            <a:r>
-              <a:rPr lang="en-GB" dirty="0"/>
-              <a:t>    \operation{</a:t>
-            </a:r>
-            <a:r>
-              <a:rPr lang="en-GB" dirty="0" err="1"/>
-              <a:t>ToString</a:t>
-            </a:r>
-            <a:r>
-              <a:rPr lang="en-GB" dirty="0"/>
-              <a:t>  unit : string}</a:t>
-            </a:r>
-          </a:p>
-          <a:p>
-            <a:r>
-              <a:rPr lang="en-GB" dirty="0"/>
-              <a:t>    \operation{</a:t>
-            </a:r>
-            <a:r>
-              <a:rPr lang="en-GB" dirty="0" err="1"/>
-              <a:t>resetReproduction</a:t>
-            </a:r>
-            <a:r>
-              <a:rPr lang="en-GB" dirty="0"/>
-              <a:t>  unit : unit}</a:t>
-            </a:r>
-          </a:p>
-          <a:p>
-            <a:r>
-              <a:rPr lang="en-GB" dirty="0"/>
-              <a:t>    \operation{</a:t>
-            </a:r>
-            <a:r>
-              <a:rPr lang="en-GB" dirty="0" err="1"/>
-              <a:t>updateReproduction</a:t>
-            </a:r>
-            <a:r>
-              <a:rPr lang="en-GB" dirty="0"/>
-              <a:t>  unit : unit}</a:t>
-            </a:r>
-          </a:p>
-          <a:p>
-            <a:r>
-              <a:rPr lang="en-GB" dirty="0"/>
-              <a:t>  \end{class}</a:t>
-            </a:r>
-          </a:p>
-          <a:p>
-            <a:r>
-              <a:rPr lang="en-GB" dirty="0"/>
-              <a:t>\end{</a:t>
-            </a:r>
-            <a:r>
-              <a:rPr lang="en-GB" dirty="0" err="1"/>
-              <a:t>tikzpicture</a:t>
-            </a:r>
-            <a:r>
-              <a:rPr lang="en-GB" dirty="0"/>
-              <a:t>}</a:t>
-            </a:r>
-          </a:p>
-          <a:p>
-            <a:r>
-              <a:rPr lang="en-GB" dirty="0"/>
-              <a:t>\end{document}</a:t>
-            </a:r>
-          </a:p>
-        </p:txBody>
-      </p:sp>
-    </p:spTree>
-    <p:extLst>
-      <p:ext uri="{BB962C8B-B14F-4D97-AF65-F5344CB8AC3E}">
-        <p14:creationId xmlns:p14="http://schemas.microsoft.com/office/powerpoint/2010/main" val="3013114699"/>
+        <p14:creationId xmlns:p14="http://schemas.microsoft.com/office/powerpoint/2010/main" val="1783526341"/>
       </p:ext>
     </p:extLst>
   </p:cSld>
